--- a/29. Web Services - Performance testing/Web Services - Performance testing.pptx
+++ b/29. Web Services - Performance testing/Web Services - Performance testing.pptx
@@ -5,7 +5,7 @@
     <p:sldMasterId id="2147483660" r:id="rId1"/>
   </p:sldMasterIdLst>
   <p:notesMasterIdLst>
-    <p:notesMasterId r:id="rId51"/>
+    <p:notesMasterId r:id="rId49"/>
   </p:notesMasterIdLst>
   <p:sldIdLst>
     <p:sldId id="257" r:id="rId2"/>
@@ -24,39 +24,37 @@
     <p:sldId id="393" r:id="rId15"/>
     <p:sldId id="394" r:id="rId16"/>
     <p:sldId id="379" r:id="rId17"/>
-    <p:sldId id="396" r:id="rId18"/>
-    <p:sldId id="397" r:id="rId19"/>
-    <p:sldId id="398" r:id="rId20"/>
-    <p:sldId id="399" r:id="rId21"/>
-    <p:sldId id="400" r:id="rId22"/>
-    <p:sldId id="401" r:id="rId23"/>
-    <p:sldId id="402" r:id="rId24"/>
-    <p:sldId id="403" r:id="rId25"/>
-    <p:sldId id="404" r:id="rId26"/>
-    <p:sldId id="405" r:id="rId27"/>
-    <p:sldId id="406" r:id="rId28"/>
-    <p:sldId id="407" r:id="rId29"/>
-    <p:sldId id="408" r:id="rId30"/>
-    <p:sldId id="409" r:id="rId31"/>
-    <p:sldId id="410" r:id="rId32"/>
-    <p:sldId id="411" r:id="rId33"/>
-    <p:sldId id="412" r:id="rId34"/>
-    <p:sldId id="413" r:id="rId35"/>
-    <p:sldId id="414" r:id="rId36"/>
-    <p:sldId id="415" r:id="rId37"/>
-    <p:sldId id="416" r:id="rId38"/>
-    <p:sldId id="417" r:id="rId39"/>
-    <p:sldId id="418" r:id="rId40"/>
-    <p:sldId id="419" r:id="rId41"/>
-    <p:sldId id="420" r:id="rId42"/>
-    <p:sldId id="421" r:id="rId43"/>
-    <p:sldId id="423" r:id="rId44"/>
-    <p:sldId id="424" r:id="rId45"/>
-    <p:sldId id="422" r:id="rId46"/>
-    <p:sldId id="425" r:id="rId47"/>
-    <p:sldId id="395" r:id="rId48"/>
-    <p:sldId id="361" r:id="rId49"/>
-    <p:sldId id="364" r:id="rId50"/>
+    <p:sldId id="397" r:id="rId18"/>
+    <p:sldId id="398" r:id="rId19"/>
+    <p:sldId id="399" r:id="rId20"/>
+    <p:sldId id="400" r:id="rId21"/>
+    <p:sldId id="401" r:id="rId22"/>
+    <p:sldId id="402" r:id="rId23"/>
+    <p:sldId id="403" r:id="rId24"/>
+    <p:sldId id="404" r:id="rId25"/>
+    <p:sldId id="405" r:id="rId26"/>
+    <p:sldId id="406" r:id="rId27"/>
+    <p:sldId id="407" r:id="rId28"/>
+    <p:sldId id="408" r:id="rId29"/>
+    <p:sldId id="409" r:id="rId30"/>
+    <p:sldId id="410" r:id="rId31"/>
+    <p:sldId id="411" r:id="rId32"/>
+    <p:sldId id="412" r:id="rId33"/>
+    <p:sldId id="413" r:id="rId34"/>
+    <p:sldId id="414" r:id="rId35"/>
+    <p:sldId id="415" r:id="rId36"/>
+    <p:sldId id="416" r:id="rId37"/>
+    <p:sldId id="417" r:id="rId38"/>
+    <p:sldId id="418" r:id="rId39"/>
+    <p:sldId id="419" r:id="rId40"/>
+    <p:sldId id="420" r:id="rId41"/>
+    <p:sldId id="421" r:id="rId42"/>
+    <p:sldId id="423" r:id="rId43"/>
+    <p:sldId id="424" r:id="rId44"/>
+    <p:sldId id="422" r:id="rId45"/>
+    <p:sldId id="395" r:id="rId46"/>
+    <p:sldId id="361" r:id="rId47"/>
+    <p:sldId id="364" r:id="rId48"/>
   </p:sldIdLst>
   <p:sldSz cx="9144000" cy="6858000" type="screen4x3"/>
   <p:notesSz cx="6858000" cy="9144000"/>
@@ -945,7 +943,7 @@
             <a:fld id="{6FB4F6EA-423E-42DF-9292-215E7D886C4E}" type="slidenum">
               <a:rPr lang="en-US" smtClean="0"/>
               <a:pPr/>
-              <a:t>47</a:t>
+              <a:t>45</a:t>
             </a:fld>
             <a:endParaRPr lang="en-US" dirty="0"/>
           </a:p>
@@ -9076,37 +9074,9 @@
           <a:chExt cx="0" cy="0"/>
         </a:xfrm>
       </p:grpSpPr>
-      <p:sp>
-        <p:nvSpPr>
-          <p:cNvPr id="2" name="Title 1"/>
-          <p:cNvSpPr>
-            <a:spLocks noGrp="1"/>
-          </p:cNvSpPr>
-          <p:nvPr>
-            <p:ph type="ctrTitle"/>
-          </p:nvPr>
-        </p:nvSpPr>
-        <p:spPr>
-          <a:xfrm>
-            <a:off x="684244" y="4748370"/>
-            <a:ext cx="7924800" cy="685800"/>
-          </a:xfrm>
-        </p:spPr>
-        <p:txBody>
-          <a:bodyPr/>
-          <a:lstStyle/>
-          <a:p>
-            <a:r>
-              <a:rPr lang="en-US" dirty="0" smtClean="0"/>
-              <a:t>Tooling</a:t>
-            </a:r>
-            <a:endParaRPr lang="en-US" dirty="0"/>
-          </a:p>
-        </p:txBody>
-      </p:sp>
       <p:pic>
         <p:nvPicPr>
-          <p:cNvPr id="1026" name="Picture 2" descr="http://www.nata.cn/images/share/tooling.png"/>
+          <p:cNvPr id="1026" name="Picture 2" descr="http://plugins.netbeans.org/data/images/1374838427_jmeter_logo.jpg"/>
           <p:cNvPicPr>
             <a:picLocks noChangeAspect="1" noChangeArrowheads="1"/>
           </p:cNvPicPr>
@@ -9127,26 +9097,36 @@
         </p:blipFill>
         <p:spPr bwMode="auto">
           <a:xfrm>
-            <a:off x="3346643" y="1649963"/>
-            <a:ext cx="2438400" cy="2438400"/>
+            <a:off x="2320277" y="1839524"/>
+            <a:ext cx="3918946" cy="1808746"/>
           </a:xfrm>
-          <a:prstGeom prst="rect">
-            <a:avLst/>
+          <a:prstGeom prst="roundRect">
+            <a:avLst>
+              <a:gd name="adj" fmla="val 16667"/>
+            </a:avLst>
           </a:prstGeom>
-          <a:noFill/>
           <a:ln>
             <a:noFill/>
           </a:ln>
           <a:effectLst>
-            <a:glow rad="101600">
-              <a:schemeClr val="tx1">
-                <a:alpha val="40000"/>
-              </a:schemeClr>
-            </a:glow>
-            <a:outerShdw dist="35921" dir="2700000" algn="ctr" rotWithShape="0">
-              <a:schemeClr val="bg2"/>
+            <a:outerShdw blurRad="152400" dist="12000" dir="900000" sy="98000" kx="110000" ky="200000" algn="tl" rotWithShape="0">
+              <a:srgbClr val="000000">
+                <a:alpha val="30000"/>
+              </a:srgbClr>
             </a:outerShdw>
           </a:effectLst>
+          <a:scene3d>
+            <a:camera prst="perspectiveRelaxed">
+              <a:rot lat="19800000" lon="1200000" rev="20820000"/>
+            </a:camera>
+            <a:lightRig rig="threePt" dir="t"/>
+          </a:scene3d>
+          <a:sp3d contourW="6350" prstMaterial="matte">
+            <a:bevelT w="101600" h="101600"/>
+            <a:contourClr>
+              <a:srgbClr val="969696"/>
+            </a:contourClr>
+          </a:sp3d>
           <a:extLst>
             <a:ext uri="{909E8E84-426E-40DD-AFC4-6F175D3DCCD1}">
               <a14:hiddenFill xmlns:a14="http://schemas.microsoft.com/office/drawing/2010/main">
@@ -9158,6 +9138,34 @@
           </a:extLst>
         </p:spPr>
       </p:pic>
+      <p:sp>
+        <p:nvSpPr>
+          <p:cNvPr id="4" name="Title 1"/>
+          <p:cNvSpPr>
+            <a:spLocks noGrp="1"/>
+          </p:cNvSpPr>
+          <p:nvPr>
+            <p:ph type="ctrTitle"/>
+          </p:nvPr>
+        </p:nvSpPr>
+        <p:spPr>
+          <a:xfrm>
+            <a:off x="432318" y="4440460"/>
+            <a:ext cx="7924800" cy="685800"/>
+          </a:xfrm>
+        </p:spPr>
+        <p:txBody>
+          <a:bodyPr/>
+          <a:lstStyle/>
+          <a:p>
+            <a:r>
+              <a:rPr lang="en-US" dirty="0"/>
+              <a:t>JMeter</a:t>
+            </a:r>
+            <a:endParaRPr lang="en-US" dirty="0"/>
+          </a:p>
+        </p:txBody>
+      </p:sp>
     </p:spTree>
     <p:extLst>
       <p:ext uri="{BB962C8B-B14F-4D97-AF65-F5344CB8AC3E}">
@@ -9370,10 +9378,9 @@
           </a:lstStyle>
           <a:p>
             <a:r>
-              <a:rPr lang="en-US" dirty="0" smtClean="0"/>
-              <a:t>Tools</a:t>
-            </a:r>
-            <a:endParaRPr lang="en-US" dirty="0"/>
+              <a:rPr lang="en-US" dirty="0"/>
+              <a:t>JMeter</a:t>
+            </a:r>
           </a:p>
         </p:txBody>
       </p:sp>
@@ -9398,18 +9405,7 @@
           <a:lstStyle/>
           <a:p>
             <a:r>
-              <a:rPr lang="en-US" dirty="0" err="1"/>
-              <a:t>SmartBear</a:t>
-            </a:r>
-            <a:r>
-              <a:rPr lang="en-US" dirty="0"/>
-              <a:t> offering</a:t>
-            </a:r>
-          </a:p>
-          <a:p>
-            <a:pPr lvl="1"/>
-            <a:r>
-              <a:rPr lang="en-US" dirty="0" err="1">
+              <a:rPr lang="en-US" dirty="0">
                 <a:solidFill>
                   <a:schemeClr val="accent5">
                     <a:lumMod val="20000"/>
@@ -9417,72 +9413,62 @@
                   </a:schemeClr>
                 </a:solidFill>
               </a:rPr>
-              <a:t>SoapUI</a:t>
+              <a:t>JMeter</a:t>
+            </a:r>
+          </a:p>
+          <a:p>
+            <a:pPr lvl="1"/>
+            <a:r>
+              <a:rPr lang="en-US" dirty="0">
+                <a:cs typeface="Arial" pitchFamily="34" charset="0"/>
+              </a:rPr>
+              <a:t>Free (open source)</a:t>
+            </a:r>
+          </a:p>
+          <a:p>
+            <a:pPr lvl="1"/>
+            <a:r>
+              <a:rPr lang="en-US" dirty="0">
+                <a:cs typeface="Arial" pitchFamily="34" charset="0"/>
+              </a:rPr>
+              <a:t>Java Desktop Application (cross-platform)</a:t>
+            </a:r>
+          </a:p>
+          <a:p>
+            <a:pPr lvl="1"/>
+            <a:r>
+              <a:rPr lang="en-US" dirty="0">
+                <a:cs typeface="Arial" pitchFamily="34" charset="0"/>
+              </a:rPr>
+              <a:t>Support a lot of protocols</a:t>
+            </a:r>
+          </a:p>
+          <a:p>
+            <a:pPr lvl="2"/>
+            <a:r>
+              <a:rPr lang="en-US" dirty="0"/>
+              <a:t>HTTP, SMTP, POP3, LDAP, JDBC, FTP, JMS, SOAP, TCP</a:t>
             </a:r>
             <a:endParaRPr lang="en-US" dirty="0">
-              <a:solidFill>
-                <a:schemeClr val="accent5">
-                  <a:lumMod val="20000"/>
-                  <a:lumOff val="80000"/>
-                </a:schemeClr>
-              </a:solidFill>
+              <a:cs typeface="Arial" pitchFamily="34" charset="0"/>
             </a:endParaRPr>
           </a:p>
           <a:p>
-            <a:pPr lvl="2"/>
-            <a:r>
-              <a:rPr lang="en-US" dirty="0"/>
-              <a:t>Can be used only for simple scenarios </a:t>
-            </a:r>
-          </a:p>
-          <a:p>
-            <a:pPr lvl="2"/>
-            <a:r>
-              <a:rPr lang="en-US" dirty="0"/>
-              <a:t>Does not support distributed load testing</a:t>
-            </a:r>
-          </a:p>
-          <a:p>
             <a:pPr lvl="1"/>
             <a:r>
-              <a:rPr lang="en-US" dirty="0" err="1">
-                <a:solidFill>
-                  <a:schemeClr val="accent5">
-                    <a:lumMod val="20000"/>
-                    <a:lumOff val="80000"/>
-                  </a:schemeClr>
-                </a:solidFill>
+              <a:rPr lang="en-US" dirty="0">
+                <a:cs typeface="Arial" pitchFamily="34" charset="0"/>
               </a:rPr>
-              <a:t>LoadUI</a:t>
-            </a:r>
-            <a:endParaRPr lang="en-US" dirty="0">
-              <a:solidFill>
-                <a:schemeClr val="accent5">
-                  <a:lumMod val="20000"/>
-                  <a:lumOff val="80000"/>
-                </a:schemeClr>
-              </a:solidFill>
-            </a:endParaRPr>
-          </a:p>
-          <a:p>
-            <a:pPr lvl="2"/>
-            <a:r>
-              <a:rPr lang="en-US" dirty="0"/>
-              <a:t>Free edition with virtual user limit</a:t>
-            </a:r>
-          </a:p>
-          <a:p>
-            <a:pPr lvl="2"/>
-            <a:r>
-              <a:rPr lang="en-US" dirty="0"/>
-              <a:t>PRO version for serious load testing</a:t>
-            </a:r>
-          </a:p>
-          <a:p>
-            <a:pPr lvl="2"/>
-            <a:r>
-              <a:rPr lang="en-US" dirty="0"/>
               <a:t>Support distributed load testing</a:t>
+            </a:r>
+          </a:p>
+          <a:p>
+            <a:pPr lvl="1"/>
+            <a:r>
+              <a:rPr lang="en-US" dirty="0">
+                <a:cs typeface="Arial" pitchFamily="34" charset="0"/>
+              </a:rPr>
+              <a:t>There are services which can run your JMeter tests from the cloud</a:t>
             </a:r>
           </a:p>
         </p:txBody>
@@ -9490,7 +9476,7 @@
     </p:spTree>
     <p:extLst>
       <p:ext uri="{BB962C8B-B14F-4D97-AF65-F5344CB8AC3E}">
-        <p14:creationId xmlns:p14="http://schemas.microsoft.com/office/powerpoint/2010/main" val="3660517966"/>
+        <p14:creationId xmlns:p14="http://schemas.microsoft.com/office/powerpoint/2010/main" val="251933845"/>
       </p:ext>
     </p:extLst>
   </p:cSld>
@@ -9700,7 +9686,7 @@
           <a:p>
             <a:r>
               <a:rPr lang="en-US" dirty="0" smtClean="0"/>
-              <a:t>Tools</a:t>
+              <a:t>JMeter</a:t>
             </a:r>
             <a:endParaRPr lang="en-US" dirty="0"/>
           </a:p>
@@ -9719,7 +9705,7 @@
         <p:spPr>
           <a:xfrm>
             <a:off x="228600" y="981989"/>
-            <a:ext cx="8686800" cy="5421086"/>
+            <a:ext cx="8686800" cy="566592"/>
           </a:xfrm>
         </p:spPr>
         <p:txBody>
@@ -9727,70 +9713,103 @@
           <a:lstStyle/>
           <a:p>
             <a:r>
-              <a:rPr lang="en-US" dirty="0">
-                <a:solidFill>
-                  <a:schemeClr val="accent5">
-                    <a:lumMod val="20000"/>
-                    <a:lumOff val="80000"/>
-                  </a:schemeClr>
-                </a:solidFill>
-              </a:rPr>
-              <a:t>JMeter</a:t>
-            </a:r>
-          </a:p>
-          <a:p>
-            <a:pPr lvl="1"/>
-            <a:r>
-              <a:rPr lang="en-US" dirty="0">
+              <a:rPr lang="en-US" sz="3000" dirty="0">
                 <a:cs typeface="Arial" pitchFamily="34" charset="0"/>
               </a:rPr>
-              <a:t>Free (open source)</a:t>
+              <a:t>Requirements</a:t>
             </a:r>
           </a:p>
           <a:p>
             <a:pPr lvl="1"/>
             <a:r>
-              <a:rPr lang="en-US" dirty="0">
+              <a:rPr lang="en-US" sz="2600" dirty="0">
                 <a:cs typeface="Arial" pitchFamily="34" charset="0"/>
               </a:rPr>
-              <a:t>Java Desktop Application (cross-platform)</a:t>
+              <a:t>JDK 1.6 +</a:t>
             </a:r>
           </a:p>
           <a:p>
             <a:pPr lvl="1"/>
             <a:r>
-              <a:rPr lang="en-US" dirty="0">
+              <a:rPr lang="en-US" sz="2600" dirty="0">
                 <a:cs typeface="Arial" pitchFamily="34" charset="0"/>
               </a:rPr>
-              <a:t>Support a lot of protocols</a:t>
+              <a:t>Hardware: Depends on what we want to simulate</a:t>
+            </a:r>
+          </a:p>
+          <a:p>
+            <a:r>
+              <a:rPr lang="en-US" sz="3000" dirty="0">
+                <a:cs typeface="Arial" pitchFamily="34" charset="0"/>
+              </a:rPr>
+              <a:t>Installation</a:t>
+            </a:r>
+          </a:p>
+          <a:p>
+            <a:pPr lvl="1"/>
+            <a:r>
+              <a:rPr lang="en-US" sz="2600" dirty="0">
+                <a:cs typeface="Arial" pitchFamily="34" charset="0"/>
+              </a:rPr>
+              <a:t>Install JDK</a:t>
             </a:r>
           </a:p>
           <a:p>
             <a:pPr lvl="2"/>
             <a:r>
-              <a:rPr lang="en-US" dirty="0"/>
-              <a:t>HTTP, SMTP, POP3, LDAP, JDBC, FTP, JMS, SOAP, TCP</a:t>
-            </a:r>
-            <a:endParaRPr lang="en-US" dirty="0">
+              <a:rPr lang="en-US" sz="2000" dirty="0">
+                <a:cs typeface="Arial" pitchFamily="34" charset="0"/>
+              </a:rPr>
+              <a:t>Add JDK to Path (if not already added)</a:t>
+            </a:r>
+          </a:p>
+          <a:p>
+            <a:pPr lvl="2"/>
+            <a:r>
+              <a:rPr lang="en-US" sz="2000" dirty="0">
+                <a:cs typeface="Arial" pitchFamily="34" charset="0"/>
+              </a:rPr>
+              <a:t>Verify installation by running “java -version” on command prompt</a:t>
+            </a:r>
+          </a:p>
+          <a:p>
+            <a:pPr lvl="1"/>
+            <a:r>
+              <a:rPr lang="en-US" sz="2400" dirty="0">
+                <a:cs typeface="Arial" pitchFamily="34" charset="0"/>
+              </a:rPr>
+              <a:t>Install JMeter</a:t>
+            </a:r>
+          </a:p>
+          <a:p>
+            <a:pPr lvl="2"/>
+            <a:r>
+              <a:rPr lang="en-US" sz="2000" dirty="0">
+                <a:cs typeface="Arial" pitchFamily="34" charset="0"/>
+                <a:hlinkClick r:id="rId2"/>
+              </a:rPr>
+              <a:t>Download</a:t>
+            </a:r>
+            <a:endParaRPr lang="en-US" sz="2000" dirty="0">
               <a:cs typeface="Arial" pitchFamily="34" charset="0"/>
             </a:endParaRPr>
           </a:p>
           <a:p>
-            <a:pPr lvl="1"/>
-            <a:r>
-              <a:rPr lang="en-US" dirty="0">
+            <a:pPr lvl="2"/>
+            <a:r>
+              <a:rPr lang="en-US" sz="2000" dirty="0">
                 <a:cs typeface="Arial" pitchFamily="34" charset="0"/>
               </a:rPr>
-              <a:t>Support distributed load testing</a:t>
-            </a:r>
-          </a:p>
-          <a:p>
-            <a:pPr lvl="1"/>
-            <a:r>
-              <a:rPr lang="en-US" dirty="0">
+              <a:t>Extract</a:t>
+            </a:r>
+          </a:p>
+          <a:p>
+            <a:pPr lvl="2"/>
+            <a:r>
+              <a:rPr lang="en-US" sz="2000" dirty="0">
                 <a:cs typeface="Arial" pitchFamily="34" charset="0"/>
               </a:rPr>
-              <a:t>There are services which can run your JMeter tests from the cloud</a:t>
+              <a:t>(Optional) Add to Path</a:t>
             </a:r>
           </a:p>
         </p:txBody>
@@ -9798,7 +9817,7 @@
     </p:spTree>
     <p:extLst>
       <p:ext uri="{BB962C8B-B14F-4D97-AF65-F5344CB8AC3E}">
-        <p14:creationId xmlns:p14="http://schemas.microsoft.com/office/powerpoint/2010/main" val="251933845"/>
+        <p14:creationId xmlns:p14="http://schemas.microsoft.com/office/powerpoint/2010/main" val="1309961454"/>
       </p:ext>
     </p:extLst>
   </p:cSld>
@@ -10035,111 +10054,75 @@
           <a:lstStyle/>
           <a:p>
             <a:r>
-              <a:rPr lang="en-US" sz="3000" dirty="0">
+              <a:rPr lang="en-US" dirty="0" smtClean="0">
                 <a:cs typeface="Arial" pitchFamily="34" charset="0"/>
               </a:rPr>
-              <a:t>Requirements</a:t>
-            </a:r>
-          </a:p>
-          <a:p>
-            <a:pPr lvl="1"/>
-            <a:r>
-              <a:rPr lang="en-US" sz="2600" dirty="0">
-                <a:cs typeface="Arial" pitchFamily="34" charset="0"/>
-              </a:rPr>
-              <a:t>JDK 1.6 +</a:t>
-            </a:r>
-          </a:p>
-          <a:p>
-            <a:pPr lvl="1"/>
-            <a:r>
-              <a:rPr lang="en-US" sz="2600" dirty="0">
-                <a:cs typeface="Arial" pitchFamily="34" charset="0"/>
-              </a:rPr>
-              <a:t>Hardware: Depends on what we want to simulate</a:t>
-            </a:r>
-          </a:p>
-          <a:p>
-            <a:r>
-              <a:rPr lang="en-US" sz="3000" dirty="0">
-                <a:cs typeface="Arial" pitchFamily="34" charset="0"/>
-              </a:rPr>
-              <a:t>Installation</a:t>
-            </a:r>
-          </a:p>
-          <a:p>
-            <a:pPr lvl="1"/>
-            <a:r>
-              <a:rPr lang="en-US" sz="2600" dirty="0">
-                <a:cs typeface="Arial" pitchFamily="34" charset="0"/>
-              </a:rPr>
-              <a:t>Install JDK</a:t>
-            </a:r>
-          </a:p>
-          <a:p>
-            <a:pPr lvl="2"/>
-            <a:r>
-              <a:rPr lang="en-US" sz="2000" dirty="0">
-                <a:cs typeface="Arial" pitchFamily="34" charset="0"/>
-              </a:rPr>
-              <a:t>Add JDK to Path (if not already added)</a:t>
-            </a:r>
-          </a:p>
-          <a:p>
-            <a:pPr lvl="2"/>
-            <a:r>
-              <a:rPr lang="en-US" sz="2000" dirty="0">
-                <a:cs typeface="Arial" pitchFamily="34" charset="0"/>
-              </a:rPr>
-              <a:t>Verify installation by running “java -version” on command prompt</a:t>
-            </a:r>
-          </a:p>
-          <a:p>
-            <a:pPr lvl="1"/>
-            <a:r>
-              <a:rPr lang="en-US" sz="2400" dirty="0">
-                <a:cs typeface="Arial" pitchFamily="34" charset="0"/>
-              </a:rPr>
-              <a:t>Install JMeter</a:t>
-            </a:r>
-          </a:p>
-          <a:p>
-            <a:pPr lvl="2"/>
-            <a:r>
-              <a:rPr lang="en-US" sz="2000" dirty="0">
-                <a:cs typeface="Arial" pitchFamily="34" charset="0"/>
-                <a:hlinkClick r:id="rId2"/>
-              </a:rPr>
-              <a:t>Download</a:t>
-            </a:r>
-            <a:endParaRPr lang="en-US" sz="2000" dirty="0">
+              <a:t>How JMeter works</a:t>
+            </a:r>
+            <a:endParaRPr lang="en-US" dirty="0">
               <a:cs typeface="Arial" pitchFamily="34" charset="0"/>
             </a:endParaRPr>
           </a:p>
-          <a:p>
-            <a:pPr lvl="2"/>
-            <a:r>
-              <a:rPr lang="en-US" sz="2000" dirty="0">
-                <a:cs typeface="Arial" pitchFamily="34" charset="0"/>
-              </a:rPr>
-              <a:t>Extract</a:t>
-            </a:r>
-          </a:p>
-          <a:p>
-            <a:pPr lvl="2"/>
-            <a:r>
-              <a:rPr lang="en-US" sz="2000" dirty="0">
-                <a:cs typeface="Arial" pitchFamily="34" charset="0"/>
-              </a:rPr>
-              <a:t>(Optional) Add to Path</a:t>
-            </a:r>
-          </a:p>
         </p:txBody>
       </p:sp>
+      <p:pic>
+        <p:nvPicPr>
+          <p:cNvPr id="5" name="Picture 2" descr="http://cdn.guru99.com/images/JMeterApacheSampler.png"/>
+          <p:cNvPicPr>
+            <a:picLocks noChangeAspect="1" noChangeArrowheads="1"/>
+          </p:cNvPicPr>
+          <p:nvPr/>
+        </p:nvPicPr>
+        <p:blipFill>
+          <a:blip r:embed="rId2">
+            <a:extLst>
+              <a:ext uri="{28A0092B-C50C-407E-A947-70E740481C1C}">
+                <a14:useLocalDpi xmlns:a14="http://schemas.microsoft.com/office/drawing/2010/main" val="0"/>
+              </a:ext>
+            </a:extLst>
+          </a:blip>
+          <a:srcRect/>
+          <a:stretch>
+            <a:fillRect/>
+          </a:stretch>
+        </p:blipFill>
+        <p:spPr bwMode="auto">
+          <a:xfrm>
+            <a:off x="877028" y="1643569"/>
+            <a:ext cx="7389945" cy="4873941"/>
+          </a:xfrm>
+          <a:prstGeom prst="rect">
+            <a:avLst/>
+          </a:prstGeom>
+          <a:noFill/>
+          <a:ln>
+            <a:noFill/>
+          </a:ln>
+          <a:effectLst>
+            <a:glow rad="101600">
+              <a:schemeClr val="tx1">
+                <a:alpha val="40000"/>
+              </a:schemeClr>
+            </a:glow>
+            <a:outerShdw dist="35921" dir="2700000" algn="ctr" rotWithShape="0">
+              <a:schemeClr val="bg2"/>
+            </a:outerShdw>
+          </a:effectLst>
+          <a:extLst>
+            <a:ext uri="{909E8E84-426E-40DD-AFC4-6F175D3DCCD1}">
+              <a14:hiddenFill xmlns:a14="http://schemas.microsoft.com/office/drawing/2010/main">
+                <a:solidFill>
+                  <a:srgbClr val="FFFFFF"/>
+                </a:solidFill>
+              </a14:hiddenFill>
+            </a:ext>
+          </a:extLst>
+        </p:spPr>
+      </p:pic>
     </p:spTree>
     <p:extLst>
       <p:ext uri="{BB962C8B-B14F-4D97-AF65-F5344CB8AC3E}">
-        <p14:creationId xmlns:p14="http://schemas.microsoft.com/office/powerpoint/2010/main" val="1309961454"/>
+        <p14:creationId xmlns:p14="http://schemas.microsoft.com/office/powerpoint/2010/main" val="499739809"/>
       </p:ext>
     </p:extLst>
   </p:cSld>
@@ -11200,26 +11183,23 @@
           <a:lstStyle/>
           <a:p>
             <a:r>
-              <a:rPr lang="en-US" dirty="0" smtClean="0">
+              <a:rPr lang="en-US" dirty="0">
                 <a:cs typeface="Arial" pitchFamily="34" charset="0"/>
               </a:rPr>
-              <a:t>How JMeter works</a:t>
-            </a:r>
-            <a:endParaRPr lang="en-US" dirty="0">
-              <a:cs typeface="Arial" pitchFamily="34" charset="0"/>
-            </a:endParaRPr>
+              <a:t>JMeter elements schema</a:t>
+            </a:r>
           </a:p>
         </p:txBody>
       </p:sp>
       <p:pic>
         <p:nvPicPr>
-          <p:cNvPr id="5" name="Picture 2" descr="http://cdn.guru99.com/images/JMeterApacheSampler.png"/>
+          <p:cNvPr id="6" name="Picture 2" descr="http://cdn.guru99.com/images/Jmeter.png"/>
           <p:cNvPicPr>
             <a:picLocks noChangeAspect="1" noChangeArrowheads="1"/>
           </p:cNvPicPr>
           <p:nvPr/>
         </p:nvPicPr>
-        <p:blipFill>
+        <p:blipFill rotWithShape="1">
           <a:blip r:embed="rId2">
             <a:extLst>
               <a:ext uri="{28A0092B-C50C-407E-A947-70E740481C1C}">
@@ -11227,15 +11207,13 @@
               </a:ext>
             </a:extLst>
           </a:blip>
-          <a:srcRect/>
-          <a:stretch>
-            <a:fillRect/>
-          </a:stretch>
+          <a:srcRect l="306" t="2135" r="408" b="2280"/>
+          <a:stretch/>
         </p:blipFill>
         <p:spPr bwMode="auto">
           <a:xfrm>
-            <a:off x="877028" y="1643569"/>
-            <a:ext cx="7389945" cy="4873941"/>
+            <a:off x="27992" y="1987420"/>
+            <a:ext cx="9078686" cy="3760238"/>
           </a:xfrm>
           <a:prstGeom prst="rect">
             <a:avLst/>
@@ -11268,7 +11246,7 @@
     </p:spTree>
     <p:extLst>
       <p:ext uri="{BB962C8B-B14F-4D97-AF65-F5344CB8AC3E}">
-        <p14:creationId xmlns:p14="http://schemas.microsoft.com/office/powerpoint/2010/main" val="499739809"/>
+        <p14:creationId xmlns:p14="http://schemas.microsoft.com/office/powerpoint/2010/main" val="2867484435"/>
       </p:ext>
     </p:extLst>
   </p:cSld>
@@ -11508,20 +11486,38 @@
               <a:rPr lang="en-US" dirty="0">
                 <a:cs typeface="Arial" pitchFamily="34" charset="0"/>
               </a:rPr>
-              <a:t>JMeter elements schema</a:t>
+              <a:t>Thread Group</a:t>
+            </a:r>
+          </a:p>
+          <a:p>
+            <a:pPr lvl="1"/>
+            <a:r>
+              <a:rPr lang="en-US" dirty="0">
+                <a:cs typeface="Arial" pitchFamily="34" charset="0"/>
+              </a:rPr>
+              <a:t>Thread Groups is a collection of Threads</a:t>
+            </a:r>
+          </a:p>
+          <a:p>
+            <a:pPr lvl="1"/>
+            <a:r>
+              <a:rPr lang="en-US" dirty="0">
+                <a:cs typeface="Arial" pitchFamily="34" charset="0"/>
+              </a:rPr>
+              <a:t>Each thread represents one user using the application under test</a:t>
             </a:r>
           </a:p>
         </p:txBody>
       </p:sp>
       <p:pic>
         <p:nvPicPr>
-          <p:cNvPr id="6" name="Picture 2" descr="http://cdn.guru99.com/images/Jmeter.png"/>
+          <p:cNvPr id="5" name="Picture 2" descr="http://cdn.guru99.com/images/ThreadGroup.png"/>
           <p:cNvPicPr>
             <a:picLocks noChangeAspect="1" noChangeArrowheads="1"/>
           </p:cNvPicPr>
           <p:nvPr/>
         </p:nvPicPr>
-        <p:blipFill rotWithShape="1">
+        <p:blipFill>
           <a:blip r:embed="rId2">
             <a:extLst>
               <a:ext uri="{28A0092B-C50C-407E-A947-70E740481C1C}">
@@ -11529,13 +11525,15 @@
               </a:ext>
             </a:extLst>
           </a:blip>
-          <a:srcRect l="306" t="2135" r="408" b="2280"/>
-          <a:stretch/>
+          <a:srcRect/>
+          <a:stretch>
+            <a:fillRect/>
+          </a:stretch>
         </p:blipFill>
         <p:spPr bwMode="auto">
           <a:xfrm>
-            <a:off x="27992" y="1987420"/>
-            <a:ext cx="9078686" cy="3760238"/>
+            <a:off x="945552" y="3289173"/>
+            <a:ext cx="7252896" cy="3417698"/>
           </a:xfrm>
           <a:prstGeom prst="rect">
             <a:avLst/>
@@ -11568,7 +11566,7 @@
     </p:spTree>
     <p:extLst>
       <p:ext uri="{BB962C8B-B14F-4D97-AF65-F5344CB8AC3E}">
-        <p14:creationId xmlns:p14="http://schemas.microsoft.com/office/powerpoint/2010/main" val="2867484435"/>
+        <p14:creationId xmlns:p14="http://schemas.microsoft.com/office/powerpoint/2010/main" val="1424379590"/>
       </p:ext>
     </p:extLst>
   </p:cSld>
@@ -11808,7 +11806,7 @@
               <a:rPr lang="en-US" dirty="0">
                 <a:cs typeface="Arial" pitchFamily="34" charset="0"/>
               </a:rPr>
-              <a:t>Thread Group</a:t>
+              <a:t>Samplers</a:t>
             </a:r>
           </a:p>
           <a:p>
@@ -11817,29 +11815,30 @@
               <a:rPr lang="en-US" dirty="0">
                 <a:cs typeface="Arial" pitchFamily="34" charset="0"/>
               </a:rPr>
-              <a:t>Thread Groups is a collection of Threads</a:t>
-            </a:r>
-          </a:p>
-          <a:p>
-            <a:pPr lvl="1"/>
-            <a:r>
-              <a:rPr lang="en-US" dirty="0">
-                <a:cs typeface="Arial" pitchFamily="34" charset="0"/>
-              </a:rPr>
-              <a:t>Each thread represents one user using the application under test</a:t>
-            </a:r>
+              <a:t>Sampler is type of Request (Protocol) we want to use in our tests</a:t>
+            </a:r>
+          </a:p>
+          <a:p>
+            <a:pPr lvl="2"/>
+            <a:r>
+              <a:rPr lang="en-US" sz="2600" dirty="0"/>
+              <a:t>HTTP, FTP , JDBC, POP3 …</a:t>
+            </a:r>
+            <a:endParaRPr lang="en-US" sz="2600" dirty="0">
+              <a:cs typeface="Arial" pitchFamily="34" charset="0"/>
+            </a:endParaRPr>
           </a:p>
         </p:txBody>
       </p:sp>
       <p:pic>
         <p:nvPicPr>
-          <p:cNvPr id="5" name="Picture 2" descr="http://cdn.guru99.com/images/ThreadGroup.png"/>
+          <p:cNvPr id="6" name="Picture 2" descr="http://cdn.guru99.com/images/Samplers.png"/>
           <p:cNvPicPr>
             <a:picLocks noChangeAspect="1" noChangeArrowheads="1"/>
           </p:cNvPicPr>
           <p:nvPr/>
         </p:nvPicPr>
-        <p:blipFill>
+        <p:blipFill rotWithShape="1">
           <a:blip r:embed="rId2">
             <a:extLst>
               <a:ext uri="{28A0092B-C50C-407E-A947-70E740481C1C}">
@@ -11847,15 +11846,13 @@
               </a:ext>
             </a:extLst>
           </a:blip>
-          <a:srcRect/>
-          <a:stretch>
-            <a:fillRect/>
-          </a:stretch>
+          <a:srcRect r="613"/>
+          <a:stretch/>
         </p:blipFill>
         <p:spPr bwMode="auto">
           <a:xfrm>
-            <a:off x="945552" y="3289173"/>
-            <a:ext cx="7252896" cy="3417698"/>
+            <a:off x="33247" y="3761790"/>
+            <a:ext cx="9077506" cy="2649923"/>
           </a:xfrm>
           <a:prstGeom prst="rect">
             <a:avLst/>
@@ -11888,7 +11885,7 @@
     </p:spTree>
     <p:extLst>
       <p:ext uri="{BB962C8B-B14F-4D97-AF65-F5344CB8AC3E}">
-        <p14:creationId xmlns:p14="http://schemas.microsoft.com/office/powerpoint/2010/main" val="1424379590"/>
+        <p14:creationId xmlns:p14="http://schemas.microsoft.com/office/powerpoint/2010/main" val="2979852929"/>
       </p:ext>
     </p:extLst>
   </p:cSld>
@@ -12128,7 +12125,7 @@
               <a:rPr lang="en-US" dirty="0">
                 <a:cs typeface="Arial" pitchFamily="34" charset="0"/>
               </a:rPr>
-              <a:t>Samplers</a:t>
+              <a:t>Listeners</a:t>
             </a:r>
           </a:p>
           <a:p>
@@ -12137,30 +12134,29 @@
               <a:rPr lang="en-US" dirty="0">
                 <a:cs typeface="Arial" pitchFamily="34" charset="0"/>
               </a:rPr>
-              <a:t>Sampler is type of Request (Protocol) we want to use in our tests</a:t>
-            </a:r>
-          </a:p>
-          <a:p>
-            <a:pPr lvl="2"/>
-            <a:r>
-              <a:rPr lang="en-US" sz="2600" dirty="0"/>
-              <a:t>HTTP, FTP , JDBC, POP3 …</a:t>
-            </a:r>
-            <a:endParaRPr lang="en-US" sz="2600" dirty="0">
-              <a:cs typeface="Arial" pitchFamily="34" charset="0"/>
-            </a:endParaRPr>
+              <a:t>Shows the results of the test execution</a:t>
+            </a:r>
+          </a:p>
+          <a:p>
+            <a:pPr lvl="1"/>
+            <a:r>
+              <a:rPr lang="en-US" dirty="0">
+                <a:cs typeface="Arial" pitchFamily="34" charset="0"/>
+              </a:rPr>
+              <a:t>They can show results in different format such as tree, table, graph or log file</a:t>
+            </a:r>
           </a:p>
         </p:txBody>
       </p:sp>
       <p:pic>
         <p:nvPicPr>
-          <p:cNvPr id="6" name="Picture 2" descr="http://cdn.guru99.com/images/Samplers.png"/>
+          <p:cNvPr id="5" name="Picture 2" descr="http://cdn.guru99.com/images/Listners.png"/>
           <p:cNvPicPr>
             <a:picLocks noChangeAspect="1" noChangeArrowheads="1"/>
           </p:cNvPicPr>
           <p:nvPr/>
         </p:nvPicPr>
-        <p:blipFill rotWithShape="1">
+        <p:blipFill>
           <a:blip r:embed="rId2">
             <a:extLst>
               <a:ext uri="{28A0092B-C50C-407E-A947-70E740481C1C}">
@@ -12168,13 +12164,15 @@
               </a:ext>
             </a:extLst>
           </a:blip>
-          <a:srcRect r="613"/>
-          <a:stretch/>
+          <a:srcRect/>
+          <a:stretch>
+            <a:fillRect/>
+          </a:stretch>
         </p:blipFill>
         <p:spPr bwMode="auto">
           <a:xfrm>
-            <a:off x="33247" y="3761790"/>
-            <a:ext cx="9077506" cy="2649923"/>
+            <a:off x="817535" y="3429000"/>
+            <a:ext cx="7508929" cy="3308131"/>
           </a:xfrm>
           <a:prstGeom prst="rect">
             <a:avLst/>
@@ -12207,7 +12205,7 @@
     </p:spTree>
     <p:extLst>
       <p:ext uri="{BB962C8B-B14F-4D97-AF65-F5344CB8AC3E}">
-        <p14:creationId xmlns:p14="http://schemas.microsoft.com/office/powerpoint/2010/main" val="2979852929"/>
+        <p14:creationId xmlns:p14="http://schemas.microsoft.com/office/powerpoint/2010/main" val="1237967689"/>
       </p:ext>
     </p:extLst>
   </p:cSld>
@@ -12447,8 +12445,17 @@
               <a:rPr lang="en-US" dirty="0">
                 <a:cs typeface="Arial" pitchFamily="34" charset="0"/>
               </a:rPr>
-              <a:t>Listeners</a:t>
-            </a:r>
+              <a:t>Configuration </a:t>
+            </a:r>
+            <a:r>
+              <a:rPr lang="en-US" dirty="0" smtClean="0">
+                <a:cs typeface="Arial" pitchFamily="34" charset="0"/>
+              </a:rPr>
+              <a:t>Elements</a:t>
+            </a:r>
+            <a:endParaRPr lang="en-US" dirty="0">
+              <a:cs typeface="Arial" pitchFamily="34" charset="0"/>
+            </a:endParaRPr>
           </a:p>
           <a:p>
             <a:pPr lvl="1"/>
@@ -12456,29 +12463,20 @@
               <a:rPr lang="en-US" dirty="0">
                 <a:cs typeface="Arial" pitchFamily="34" charset="0"/>
               </a:rPr>
-              <a:t>Shows the results of the test execution</a:t>
-            </a:r>
-          </a:p>
-          <a:p>
-            <a:pPr lvl="1"/>
-            <a:r>
-              <a:rPr lang="en-US" dirty="0">
-                <a:cs typeface="Arial" pitchFamily="34" charset="0"/>
-              </a:rPr>
-              <a:t>They can show results in different format such as tree, table, graph or log file</a:t>
+              <a:t>Set up defaults and variables for later use by samplers</a:t>
             </a:r>
           </a:p>
         </p:txBody>
       </p:sp>
       <p:pic>
         <p:nvPicPr>
-          <p:cNvPr id="5" name="Picture 2" descr="http://cdn.guru99.com/images/Listners.png"/>
+          <p:cNvPr id="6" name="Picture 2" descr="http://cdn.guru99.com/images/ConfigurationElements.png"/>
           <p:cNvPicPr>
             <a:picLocks noChangeAspect="1" noChangeArrowheads="1"/>
           </p:cNvPicPr>
           <p:nvPr/>
         </p:nvPicPr>
-        <p:blipFill>
+        <p:blipFill rotWithShape="1">
           <a:blip r:embed="rId2">
             <a:extLst>
               <a:ext uri="{28A0092B-C50C-407E-A947-70E740481C1C}">
@@ -12486,15 +12484,13 @@
               </a:ext>
             </a:extLst>
           </a:blip>
-          <a:srcRect/>
-          <a:stretch>
-            <a:fillRect/>
-          </a:stretch>
+          <a:srcRect r="715"/>
+          <a:stretch/>
         </p:blipFill>
         <p:spPr bwMode="auto">
           <a:xfrm>
-            <a:off x="817535" y="3429000"/>
-            <a:ext cx="7508929" cy="3308131"/>
+            <a:off x="37911" y="3549538"/>
+            <a:ext cx="9068177" cy="2384536"/>
           </a:xfrm>
           <a:prstGeom prst="rect">
             <a:avLst/>
@@ -12527,7 +12523,7 @@
     </p:spTree>
     <p:extLst>
       <p:ext uri="{BB962C8B-B14F-4D97-AF65-F5344CB8AC3E}">
-        <p14:creationId xmlns:p14="http://schemas.microsoft.com/office/powerpoint/2010/main" val="1237967689"/>
+        <p14:creationId xmlns:p14="http://schemas.microsoft.com/office/powerpoint/2010/main" val="4192109227"/>
       </p:ext>
     </p:extLst>
   </p:cSld>
@@ -12767,32 +12763,14 @@
               <a:rPr lang="en-US" dirty="0">
                 <a:cs typeface="Arial" pitchFamily="34" charset="0"/>
               </a:rPr>
-              <a:t>Configuration </a:t>
-            </a:r>
-            <a:r>
-              <a:rPr lang="en-US" dirty="0" smtClean="0">
-                <a:cs typeface="Arial" pitchFamily="34" charset="0"/>
-              </a:rPr>
-              <a:t>Elements</a:t>
-            </a:r>
-            <a:endParaRPr lang="en-US" dirty="0">
-              <a:cs typeface="Arial" pitchFamily="34" charset="0"/>
-            </a:endParaRPr>
-          </a:p>
-          <a:p>
-            <a:pPr lvl="1"/>
-            <a:r>
-              <a:rPr lang="en-US" dirty="0">
-                <a:cs typeface="Arial" pitchFamily="34" charset="0"/>
-              </a:rPr>
-              <a:t>Set up defaults and variables for later use by samplers</a:t>
+              <a:t>JMeter project workflow</a:t>
             </a:r>
           </a:p>
         </p:txBody>
       </p:sp>
       <p:pic>
         <p:nvPicPr>
-          <p:cNvPr id="6" name="Picture 2" descr="http://cdn.guru99.com/images/ConfigurationElements.png"/>
+          <p:cNvPr id="5" name="Picture 2" descr="http://cdn.guru99.com/images/JMeterTestPlanFlow.png"/>
           <p:cNvPicPr>
             <a:picLocks noChangeAspect="1" noChangeArrowheads="1"/>
           </p:cNvPicPr>
@@ -12806,13 +12784,13 @@
               </a:ext>
             </a:extLst>
           </a:blip>
-          <a:srcRect r="715"/>
+          <a:srcRect r="817"/>
           <a:stretch/>
         </p:blipFill>
         <p:spPr bwMode="auto">
           <a:xfrm>
-            <a:off x="37911" y="3549538"/>
-            <a:ext cx="9068177" cy="2384536"/>
+            <a:off x="50232" y="2448233"/>
+            <a:ext cx="9056447" cy="2809567"/>
           </a:xfrm>
           <a:prstGeom prst="rect">
             <a:avLst/>
@@ -12845,7 +12823,7 @@
     </p:spTree>
     <p:extLst>
       <p:ext uri="{BB962C8B-B14F-4D97-AF65-F5344CB8AC3E}">
-        <p14:creationId xmlns:p14="http://schemas.microsoft.com/office/powerpoint/2010/main" val="4192109227"/>
+        <p14:creationId xmlns:p14="http://schemas.microsoft.com/office/powerpoint/2010/main" val="372513860"/>
       </p:ext>
     </p:extLst>
   </p:cSld>
@@ -13085,14 +13063,41 @@
               <a:rPr lang="en-US" dirty="0">
                 <a:cs typeface="Arial" pitchFamily="34" charset="0"/>
               </a:rPr>
-              <a:t>JMeter project workflow</a:t>
-            </a:r>
+              <a:t>Add Thread Group</a:t>
+            </a:r>
+            <a:endParaRPr lang="en-US" sz="3600" dirty="0">
+              <a:cs typeface="Arial" pitchFamily="34" charset="0"/>
+            </a:endParaRPr>
+          </a:p>
+          <a:p>
+            <a:pPr lvl="1"/>
+            <a:r>
+              <a:rPr lang="en-US" dirty="0"/>
+              <a:t>Start JMeter</a:t>
+            </a:r>
+          </a:p>
+          <a:p>
+            <a:pPr lvl="1"/>
+            <a:r>
+              <a:rPr lang="en-US" dirty="0"/>
+              <a:t>Select Test Plan on the tree</a:t>
+            </a:r>
+          </a:p>
+          <a:p>
+            <a:pPr lvl="1"/>
+            <a:r>
+              <a:rPr lang="en-US" dirty="0"/>
+              <a:t>Right click on the Test Plan and add a new thread group: Add -&gt; Threads (Users) -&gt; Thread Group</a:t>
+            </a:r>
+            <a:endParaRPr lang="en-US" dirty="0">
+              <a:cs typeface="Arial" pitchFamily="34" charset="0"/>
+            </a:endParaRPr>
           </a:p>
         </p:txBody>
       </p:sp>
       <p:pic>
         <p:nvPicPr>
-          <p:cNvPr id="5" name="Picture 2" descr="http://cdn.guru99.com/images/JMeterTestPlanFlow.png"/>
+          <p:cNvPr id="6" name="Picture 4" descr="http://cdn.guru99.com/images/JMeterAddThreadGroup.png"/>
           <p:cNvPicPr>
             <a:picLocks noChangeAspect="1" noChangeArrowheads="1"/>
           </p:cNvPicPr>
@@ -13106,13 +13111,13 @@
               </a:ext>
             </a:extLst>
           </a:blip>
-          <a:srcRect r="817"/>
+          <a:srcRect r="3831" b="6243"/>
           <a:stretch/>
         </p:blipFill>
         <p:spPr bwMode="auto">
           <a:xfrm>
-            <a:off x="50232" y="2448233"/>
-            <a:ext cx="9056447" cy="2809567"/>
+            <a:off x="4713513" y="3971733"/>
+            <a:ext cx="4215884" cy="2662332"/>
           </a:xfrm>
           <a:prstGeom prst="rect">
             <a:avLst/>
@@ -13145,7 +13150,7 @@
     </p:spTree>
     <p:extLst>
       <p:ext uri="{BB962C8B-B14F-4D97-AF65-F5344CB8AC3E}">
-        <p14:creationId xmlns:p14="http://schemas.microsoft.com/office/powerpoint/2010/main" val="372513860"/>
+        <p14:creationId xmlns:p14="http://schemas.microsoft.com/office/powerpoint/2010/main" val="2695700824"/>
       </p:ext>
     </p:extLst>
   </p:cSld>
@@ -13385,41 +13390,71 @@
               <a:rPr lang="en-US" dirty="0">
                 <a:cs typeface="Arial" pitchFamily="34" charset="0"/>
               </a:rPr>
-              <a:t>Add Thread Group</a:t>
-            </a:r>
-            <a:endParaRPr lang="en-US" sz="3600" dirty="0">
-              <a:cs typeface="Arial" pitchFamily="34" charset="0"/>
-            </a:endParaRPr>
+              <a:t>Thread Group Properties</a:t>
+            </a:r>
           </a:p>
           <a:p>
             <a:pPr lvl="1"/>
             <a:r>
               <a:rPr lang="en-US" dirty="0"/>
-              <a:t>Start JMeter</a:t>
+              <a:t>Number of Threads</a:t>
+            </a:r>
+          </a:p>
+          <a:p>
+            <a:pPr lvl="2"/>
+            <a:r>
+              <a:rPr lang="en-US" sz="2600" dirty="0"/>
+              <a:t>Number of users connects to target website/service</a:t>
             </a:r>
           </a:p>
           <a:p>
             <a:pPr lvl="1"/>
             <a:r>
               <a:rPr lang="en-US" dirty="0"/>
-              <a:t>Select Test Plan on the tree</a:t>
+              <a:t>Loop Count</a:t>
+            </a:r>
+          </a:p>
+          <a:p>
+            <a:pPr lvl="2"/>
+            <a:r>
+              <a:rPr lang="en-US" sz="2600" dirty="0"/>
+              <a:t>Number of time to </a:t>
+            </a:r>
+            <a:r>
+              <a:rPr lang="en-US" sz="2600" dirty="0" smtClean="0"/>
+              <a:t>execute</a:t>
+            </a:r>
+            <a:br>
+              <a:rPr lang="en-US" sz="2600" dirty="0" smtClean="0"/>
+            </a:br>
+            <a:r>
+              <a:rPr lang="en-US" sz="2600" dirty="0" smtClean="0"/>
+              <a:t> </a:t>
+            </a:r>
+            <a:r>
+              <a:rPr lang="en-US" sz="2600" dirty="0"/>
+              <a:t>testing</a:t>
             </a:r>
           </a:p>
           <a:p>
             <a:pPr lvl="1"/>
             <a:r>
               <a:rPr lang="en-US" dirty="0"/>
-              <a:t>Right click on the Test Plan and add a new thread group: Add -&gt; Threads (Users) -&gt; Thread Group</a:t>
-            </a:r>
-            <a:endParaRPr lang="en-US" dirty="0">
-              <a:cs typeface="Arial" pitchFamily="34" charset="0"/>
-            </a:endParaRPr>
+              <a:t>Ramp-Up Period</a:t>
+            </a:r>
+          </a:p>
+          <a:p>
+            <a:pPr lvl="2"/>
+            <a:r>
+              <a:rPr lang="en-US" sz="2600" dirty="0"/>
+              <a:t>Delay before starting next user</a:t>
+            </a:r>
           </a:p>
         </p:txBody>
       </p:sp>
       <p:pic>
         <p:nvPicPr>
-          <p:cNvPr id="6" name="Picture 4" descr="http://cdn.guru99.com/images/JMeterAddThreadGroup.png"/>
+          <p:cNvPr id="5" name="Picture 2" descr="http://cdn.guru99.com/images/ThreadGroupJMeterPerformance.png"/>
           <p:cNvPicPr>
             <a:picLocks noChangeAspect="1" noChangeArrowheads="1"/>
           </p:cNvPicPr>
@@ -13433,13 +13468,13 @@
               </a:ext>
             </a:extLst>
           </a:blip>
-          <a:srcRect r="3831" b="6243"/>
+          <a:srcRect t="2043"/>
           <a:stretch/>
         </p:blipFill>
         <p:spPr bwMode="auto">
           <a:xfrm>
-            <a:off x="4713513" y="3971733"/>
-            <a:ext cx="4215884" cy="2662332"/>
+            <a:off x="5802299" y="3368351"/>
+            <a:ext cx="3313784" cy="3455490"/>
           </a:xfrm>
           <a:prstGeom prst="rect">
             <a:avLst/>
@@ -13472,7 +13507,7 @@
     </p:spTree>
     <p:extLst>
       <p:ext uri="{BB962C8B-B14F-4D97-AF65-F5344CB8AC3E}">
-        <p14:creationId xmlns:p14="http://schemas.microsoft.com/office/powerpoint/2010/main" val="2695700824"/>
+        <p14:creationId xmlns:p14="http://schemas.microsoft.com/office/powerpoint/2010/main" val="85550888"/>
       </p:ext>
     </p:extLst>
   </p:cSld>
@@ -13701,7 +13736,7 @@
         <p:spPr>
           <a:xfrm>
             <a:off x="228600" y="981989"/>
-            <a:ext cx="8686800" cy="566592"/>
+            <a:ext cx="8686800" cy="1042754"/>
           </a:xfrm>
         </p:spPr>
         <p:txBody>
@@ -13712,71 +13747,14 @@
               <a:rPr lang="en-US" dirty="0">
                 <a:cs typeface="Arial" pitchFamily="34" charset="0"/>
               </a:rPr>
-              <a:t>Thread Group Properties</a:t>
-            </a:r>
-          </a:p>
-          <a:p>
-            <a:pPr lvl="1"/>
-            <a:r>
-              <a:rPr lang="en-US" dirty="0"/>
-              <a:t>Number of Threads</a:t>
-            </a:r>
-          </a:p>
-          <a:p>
-            <a:pPr lvl="2"/>
-            <a:r>
-              <a:rPr lang="en-US" sz="2600" dirty="0"/>
-              <a:t>Number of users connects to target website/service</a:t>
-            </a:r>
-          </a:p>
-          <a:p>
-            <a:pPr lvl="1"/>
-            <a:r>
-              <a:rPr lang="en-US" dirty="0"/>
-              <a:t>Loop Count</a:t>
-            </a:r>
-          </a:p>
-          <a:p>
-            <a:pPr lvl="2"/>
-            <a:r>
-              <a:rPr lang="en-US" sz="2600" dirty="0"/>
-              <a:t>Number of time to </a:t>
-            </a:r>
-            <a:r>
-              <a:rPr lang="en-US" sz="2600" dirty="0" smtClean="0"/>
-              <a:t>execute</a:t>
-            </a:r>
-            <a:br>
-              <a:rPr lang="en-US" sz="2600" dirty="0" smtClean="0"/>
-            </a:br>
-            <a:r>
-              <a:rPr lang="en-US" sz="2600" dirty="0" smtClean="0"/>
-              <a:t> </a:t>
-            </a:r>
-            <a:r>
-              <a:rPr lang="en-US" sz="2600" dirty="0"/>
-              <a:t>testing</a:t>
-            </a:r>
-          </a:p>
-          <a:p>
-            <a:pPr lvl="1"/>
-            <a:r>
-              <a:rPr lang="en-US" dirty="0"/>
-              <a:t>Ramp-Up Period</a:t>
-            </a:r>
-          </a:p>
-          <a:p>
-            <a:pPr lvl="2"/>
-            <a:r>
-              <a:rPr lang="en-US" sz="2600" dirty="0"/>
-              <a:t>Delay before starting next user</a:t>
+              <a:t>The Thread Count and The Loop Counts are different</a:t>
             </a:r>
           </a:p>
         </p:txBody>
       </p:sp>
       <p:pic>
         <p:nvPicPr>
-          <p:cNvPr id="5" name="Picture 2" descr="http://cdn.guru99.com/images/ThreadGroupJMeterPerformance.png"/>
+          <p:cNvPr id="6" name="Picture 2" descr="http://cdn.guru99.com/images/ThreadCountVSLoopCount.png"/>
           <p:cNvPicPr>
             <a:picLocks noChangeAspect="1" noChangeArrowheads="1"/>
           </p:cNvPicPr>
@@ -13790,13 +13768,13 @@
               </a:ext>
             </a:extLst>
           </a:blip>
-          <a:srcRect t="2043"/>
+          <a:srcRect r="408"/>
           <a:stretch/>
         </p:blipFill>
         <p:spPr bwMode="auto">
           <a:xfrm>
-            <a:off x="5802299" y="3368351"/>
-            <a:ext cx="3313784" cy="3455490"/>
+            <a:off x="18661" y="2595716"/>
+            <a:ext cx="9106678" cy="3099662"/>
           </a:xfrm>
           <a:prstGeom prst="rect">
             <a:avLst/>
@@ -13829,7 +13807,7 @@
     </p:spTree>
     <p:extLst>
       <p:ext uri="{BB962C8B-B14F-4D97-AF65-F5344CB8AC3E}">
-        <p14:creationId xmlns:p14="http://schemas.microsoft.com/office/powerpoint/2010/main" val="85550888"/>
+        <p14:creationId xmlns:p14="http://schemas.microsoft.com/office/powerpoint/2010/main" val="1604468852"/>
       </p:ext>
     </p:extLst>
   </p:cSld>
@@ -14058,7 +14036,7 @@
         <p:spPr>
           <a:xfrm>
             <a:off x="228600" y="981989"/>
-            <a:ext cx="8686800" cy="1042754"/>
+            <a:ext cx="8686800" cy="566592"/>
           </a:xfrm>
         </p:spPr>
         <p:txBody>
@@ -14066,17 +14044,40 @@
           <a:lstStyle/>
           <a:p>
             <a:r>
+              <a:rPr lang="en-US" sz="3600" dirty="0">
+                <a:cs typeface="Arial" pitchFamily="34" charset="0"/>
+              </a:rPr>
+              <a:t>A</a:t>
+            </a:r>
+            <a:r>
               <a:rPr lang="en-US" dirty="0">
                 <a:cs typeface="Arial" pitchFamily="34" charset="0"/>
               </a:rPr>
-              <a:t>The Thread Count and The Loop Counts are different</a:t>
-            </a:r>
+              <a:t>dding JMeter elements</a:t>
+            </a:r>
+            <a:endParaRPr lang="en-US" sz="3600" dirty="0">
+              <a:cs typeface="Arial" pitchFamily="34" charset="0"/>
+            </a:endParaRPr>
+          </a:p>
+          <a:p>
+            <a:pPr lvl="1"/>
+            <a:r>
+              <a:rPr lang="en-US" dirty="0"/>
+              <a:t>Right-click on Thread Group and select: Add -&gt; Sampler -&gt; HTTP </a:t>
+            </a:r>
+            <a:r>
+              <a:rPr lang="en-US" dirty="0" smtClean="0"/>
+              <a:t>Request</a:t>
+            </a:r>
+            <a:endParaRPr lang="en-US" dirty="0">
+              <a:cs typeface="Arial" pitchFamily="34" charset="0"/>
+            </a:endParaRPr>
           </a:p>
         </p:txBody>
       </p:sp>
       <p:pic>
         <p:nvPicPr>
-          <p:cNvPr id="6" name="Picture 2" descr="http://cdn.guru99.com/images/ThreadCountVSLoopCount.png"/>
+          <p:cNvPr id="5" name="Picture 2" descr="http://cdn.guru99.com/images/AddHTTPRequestJmeterPerformance.png"/>
           <p:cNvPicPr>
             <a:picLocks noChangeAspect="1" noChangeArrowheads="1"/>
           </p:cNvPicPr>
@@ -14090,13 +14091,13 @@
               </a:ext>
             </a:extLst>
           </a:blip>
-          <a:srcRect r="408"/>
+          <a:srcRect l="298" t="287" r="3167" b="7558"/>
           <a:stretch/>
         </p:blipFill>
         <p:spPr bwMode="auto">
           <a:xfrm>
-            <a:off x="18661" y="2595716"/>
-            <a:ext cx="9106678" cy="3099662"/>
+            <a:off x="177282" y="3125755"/>
+            <a:ext cx="8816644" cy="3526972"/>
           </a:xfrm>
           <a:prstGeom prst="rect">
             <a:avLst/>
@@ -14129,7 +14130,7 @@
     </p:spTree>
     <p:extLst>
       <p:ext uri="{BB962C8B-B14F-4D97-AF65-F5344CB8AC3E}">
-        <p14:creationId xmlns:p14="http://schemas.microsoft.com/office/powerpoint/2010/main" val="1604468852"/>
+        <p14:creationId xmlns:p14="http://schemas.microsoft.com/office/powerpoint/2010/main" val="3257775993"/>
       </p:ext>
     </p:extLst>
   </p:cSld>
@@ -14240,9 +14241,10 @@
               </a:lnSpc>
             </a:pPr>
             <a:r>
-              <a:rPr lang="en-US" dirty="0"/>
-              <a:t>Review of tools</a:t>
-            </a:r>
+              <a:rPr lang="en-US" dirty="0" smtClean="0"/>
+              <a:t>JMeter </a:t>
+            </a:r>
+            <a:endParaRPr lang="en-US" dirty="0"/>
           </a:p>
           <a:p>
             <a:pPr lvl="1">
@@ -14251,8 +14253,8 @@
               </a:lnSpc>
             </a:pPr>
             <a:r>
-              <a:rPr lang="en-US" dirty="0" err="1"/>
-              <a:t>SoapUI</a:t>
+              <a:rPr lang="en-US" dirty="0" smtClean="0"/>
+              <a:t>Intro</a:t>
             </a:r>
             <a:endParaRPr lang="en-US" dirty="0"/>
           </a:p>
@@ -14263,20 +14265,10 @@
               </a:lnSpc>
             </a:pPr>
             <a:r>
-              <a:rPr lang="en-US" dirty="0"/>
-              <a:t>JMeter</a:t>
-            </a:r>
-          </a:p>
-          <a:p>
-            <a:pPr lvl="1">
-              <a:lnSpc>
-                <a:spcPct val="100000"/>
-              </a:lnSpc>
-            </a:pPr>
-            <a:r>
-              <a:rPr lang="en-US" dirty="0"/>
-              <a:t>Others</a:t>
-            </a:r>
+              <a:rPr lang="en-US" dirty="0" smtClean="0"/>
+              <a:t>Tutorial</a:t>
+            </a:r>
+            <a:endParaRPr lang="en-US" dirty="0"/>
           </a:p>
           <a:p>
             <a:pPr>
@@ -14285,16 +14277,22 @@
               </a:lnSpc>
             </a:pPr>
             <a:r>
+              <a:rPr lang="en-US" dirty="0" smtClean="0">
+                <a:cs typeface="Arial" pitchFamily="34" charset="0"/>
+              </a:rPr>
+              <a:t>Demos </a:t>
+            </a:r>
+            <a:r>
               <a:rPr lang="en-US" dirty="0">
                 <a:cs typeface="Arial" pitchFamily="34" charset="0"/>
               </a:rPr>
-              <a:t>Demos and practice with </a:t>
+              <a:t>and </a:t>
             </a:r>
             <a:r>
               <a:rPr lang="en-US" dirty="0" smtClean="0">
                 <a:cs typeface="Arial" pitchFamily="34" charset="0"/>
               </a:rPr>
-              <a:t>JMeter</a:t>
+              <a:t>practice</a:t>
             </a:r>
             <a:endParaRPr lang="en-US" dirty="0">
               <a:cs typeface="Arial" pitchFamily="34" charset="0"/>
@@ -14635,329 +14633,6 @@
           <a:lstStyle/>
           <a:p>
             <a:r>
-              <a:rPr lang="en-US" sz="3600" dirty="0">
-                <a:cs typeface="Arial" pitchFamily="34" charset="0"/>
-              </a:rPr>
-              <a:t>A</a:t>
-            </a:r>
-            <a:r>
-              <a:rPr lang="en-US" dirty="0">
-                <a:cs typeface="Arial" pitchFamily="34" charset="0"/>
-              </a:rPr>
-              <a:t>dding JMeter elements</a:t>
-            </a:r>
-            <a:endParaRPr lang="en-US" sz="3600" dirty="0">
-              <a:cs typeface="Arial" pitchFamily="34" charset="0"/>
-            </a:endParaRPr>
-          </a:p>
-          <a:p>
-            <a:pPr lvl="1"/>
-            <a:r>
-              <a:rPr lang="en-US" dirty="0"/>
-              <a:t>Right-click on Thread Group and select: Add -&gt; Sampler -&gt; HTTP </a:t>
-            </a:r>
-            <a:r>
-              <a:rPr lang="en-US" dirty="0" smtClean="0"/>
-              <a:t>Request</a:t>
-            </a:r>
-            <a:endParaRPr lang="en-US" dirty="0">
-              <a:cs typeface="Arial" pitchFamily="34" charset="0"/>
-            </a:endParaRPr>
-          </a:p>
-        </p:txBody>
-      </p:sp>
-      <p:pic>
-        <p:nvPicPr>
-          <p:cNvPr id="5" name="Picture 2" descr="http://cdn.guru99.com/images/AddHTTPRequestJmeterPerformance.png"/>
-          <p:cNvPicPr>
-            <a:picLocks noChangeAspect="1" noChangeArrowheads="1"/>
-          </p:cNvPicPr>
-          <p:nvPr/>
-        </p:nvPicPr>
-        <p:blipFill rotWithShape="1">
-          <a:blip r:embed="rId2">
-            <a:extLst>
-              <a:ext uri="{28A0092B-C50C-407E-A947-70E740481C1C}">
-                <a14:useLocalDpi xmlns:a14="http://schemas.microsoft.com/office/drawing/2010/main" val="0"/>
-              </a:ext>
-            </a:extLst>
-          </a:blip>
-          <a:srcRect l="298" t="287" r="3167" b="7558"/>
-          <a:stretch/>
-        </p:blipFill>
-        <p:spPr bwMode="auto">
-          <a:xfrm>
-            <a:off x="177282" y="3125755"/>
-            <a:ext cx="8816644" cy="3526972"/>
-          </a:xfrm>
-          <a:prstGeom prst="rect">
-            <a:avLst/>
-          </a:prstGeom>
-          <a:noFill/>
-          <a:ln>
-            <a:noFill/>
-          </a:ln>
-          <a:effectLst>
-            <a:glow rad="101600">
-              <a:schemeClr val="tx1">
-                <a:alpha val="40000"/>
-              </a:schemeClr>
-            </a:glow>
-            <a:outerShdw dist="35921" dir="2700000" algn="ctr" rotWithShape="0">
-              <a:schemeClr val="bg2"/>
-            </a:outerShdw>
-          </a:effectLst>
-          <a:extLst>
-            <a:ext uri="{909E8E84-426E-40DD-AFC4-6F175D3DCCD1}">
-              <a14:hiddenFill xmlns:a14="http://schemas.microsoft.com/office/drawing/2010/main">
-                <a:solidFill>
-                  <a:srgbClr val="FFFFFF"/>
-                </a:solidFill>
-              </a14:hiddenFill>
-            </a:ext>
-          </a:extLst>
-        </p:spPr>
-      </p:pic>
-    </p:spTree>
-    <p:extLst>
-      <p:ext uri="{BB962C8B-B14F-4D97-AF65-F5344CB8AC3E}">
-        <p14:creationId xmlns:p14="http://schemas.microsoft.com/office/powerpoint/2010/main" val="3257775993"/>
-      </p:ext>
-    </p:extLst>
-  </p:cSld>
-  <p:clrMapOvr>
-    <a:masterClrMapping/>
-  </p:clrMapOvr>
-  <mc:AlternateContent xmlns:mc="http://schemas.openxmlformats.org/markup-compatibility/2006" xmlns:p14="http://schemas.microsoft.com/office/powerpoint/2010/main">
-    <mc:Choice Requires="p14">
-      <p:transition p14:dur="0"/>
-    </mc:Choice>
-    <mc:Fallback xmlns="">
-      <p:transition/>
-    </mc:Fallback>
-  </mc:AlternateContent>
-  <p:timing>
-    <p:tnLst>
-      <p:par>
-        <p:cTn id="1" dur="indefinite" restart="never" nodeType="tmRoot"/>
-      </p:par>
-    </p:tnLst>
-  </p:timing>
-</p:sld>
-</file>
-
-<file path=ppt/slides/slide31.xml><?xml version="1.0" encoding="utf-8"?>
-<p:sld xmlns:a="http://schemas.openxmlformats.org/drawingml/2006/main" xmlns:r="http://schemas.openxmlformats.org/officeDocument/2006/relationships" xmlns:p="http://schemas.openxmlformats.org/presentationml/2006/main">
-  <p:cSld>
-    <p:spTree>
-      <p:nvGrpSpPr>
-        <p:cNvPr id="1" name=""/>
-        <p:cNvGrpSpPr/>
-        <p:nvPr/>
-      </p:nvGrpSpPr>
-      <p:grpSpPr>
-        <a:xfrm>
-          <a:off x="0" y="0"/>
-          <a:ext cx="0" cy="0"/>
-          <a:chOff x="0" y="0"/>
-          <a:chExt cx="0" cy="0"/>
-        </a:xfrm>
-      </p:grpSpPr>
-      <p:sp>
-        <p:nvSpPr>
-          <p:cNvPr id="15" name="Rectangle 2"/>
-          <p:cNvSpPr txBox="1">
-            <a:spLocks noChangeArrowheads="1"/>
-          </p:cNvSpPr>
-          <p:nvPr/>
-        </p:nvSpPr>
-        <p:spPr>
-          <a:xfrm>
-            <a:off x="1828800" y="217714"/>
-            <a:ext cx="7086600" cy="914400"/>
-          </a:xfrm>
-          <a:prstGeom prst="rect">
-            <a:avLst/>
-          </a:prstGeom>
-        </p:spPr>
-        <p:txBody>
-          <a:bodyPr anchor="ctr" anchorCtr="0">
-            <a:noAutofit/>
-          </a:bodyPr>
-          <a:lstStyle>
-            <a:lvl1pPr algn="r" rtl="0" eaLnBrk="0" fontAlgn="base" hangingPunct="0">
-              <a:lnSpc>
-                <a:spcPts val="4000"/>
-              </a:lnSpc>
-              <a:spcBef>
-                <a:spcPct val="0"/>
-              </a:spcBef>
-              <a:spcAft>
-                <a:spcPct val="0"/>
-              </a:spcAft>
-              <a:defRPr lang="en-US" sz="4000" b="1" kern="1200" baseline="0" dirty="0">
-                <a:ln w="500">
-                  <a:noFill/>
-                </a:ln>
-                <a:solidFill>
-                  <a:schemeClr val="tx2"/>
-                </a:solidFill>
-                <a:effectLst>
-                  <a:outerShdw blurRad="38100" dist="38100" dir="2700000" algn="tl">
-                    <a:srgbClr val="000000">
-                      <a:alpha val="43137"/>
-                    </a:srgbClr>
-                  </a:outerShdw>
-                  <a:reflection blurRad="12700" stA="20000" endPos="50000" dist="12700" dir="5400000" sy="-100000" algn="bl" rotWithShape="0"/>
-                </a:effectLst>
-                <a:latin typeface="+mj-lt"/>
-                <a:ea typeface="+mj-ea"/>
-                <a:cs typeface="+mj-cs"/>
-              </a:defRPr>
-            </a:lvl1pPr>
-            <a:lvl2pPr algn="r" rtl="0" eaLnBrk="1" fontAlgn="base" hangingPunct="1">
-              <a:spcBef>
-                <a:spcPct val="0"/>
-              </a:spcBef>
-              <a:spcAft>
-                <a:spcPct val="0"/>
-              </a:spcAft>
-              <a:defRPr sz="3000" b="1">
-                <a:solidFill>
-                  <a:schemeClr val="tx2"/>
-                </a:solidFill>
-                <a:latin typeface="Corbel" pitchFamily="34" charset="0"/>
-              </a:defRPr>
-            </a:lvl2pPr>
-            <a:lvl3pPr algn="r" rtl="0" eaLnBrk="1" fontAlgn="base" hangingPunct="1">
-              <a:spcBef>
-                <a:spcPct val="0"/>
-              </a:spcBef>
-              <a:spcAft>
-                <a:spcPct val="0"/>
-              </a:spcAft>
-              <a:defRPr sz="3000" b="1">
-                <a:solidFill>
-                  <a:schemeClr val="tx2"/>
-                </a:solidFill>
-                <a:latin typeface="Corbel" pitchFamily="34" charset="0"/>
-              </a:defRPr>
-            </a:lvl3pPr>
-            <a:lvl4pPr algn="r" rtl="0" eaLnBrk="1" fontAlgn="base" hangingPunct="1">
-              <a:spcBef>
-                <a:spcPct val="0"/>
-              </a:spcBef>
-              <a:spcAft>
-                <a:spcPct val="0"/>
-              </a:spcAft>
-              <a:defRPr sz="3000" b="1">
-                <a:solidFill>
-                  <a:schemeClr val="tx2"/>
-                </a:solidFill>
-                <a:latin typeface="Corbel" pitchFamily="34" charset="0"/>
-              </a:defRPr>
-            </a:lvl4pPr>
-            <a:lvl5pPr algn="r" rtl="0" eaLnBrk="1" fontAlgn="base" hangingPunct="1">
-              <a:spcBef>
-                <a:spcPct val="0"/>
-              </a:spcBef>
-              <a:spcAft>
-                <a:spcPct val="0"/>
-              </a:spcAft>
-              <a:defRPr sz="3000" b="1">
-                <a:solidFill>
-                  <a:schemeClr val="tx2"/>
-                </a:solidFill>
-                <a:latin typeface="Corbel" pitchFamily="34" charset="0"/>
-              </a:defRPr>
-            </a:lvl5pPr>
-            <a:lvl6pPr marL="457200" algn="r" rtl="0" eaLnBrk="1" fontAlgn="base" hangingPunct="1">
-              <a:spcBef>
-                <a:spcPct val="0"/>
-              </a:spcBef>
-              <a:spcAft>
-                <a:spcPct val="0"/>
-              </a:spcAft>
-              <a:defRPr sz="3000" b="1">
-                <a:solidFill>
-                  <a:schemeClr val="tx2"/>
-                </a:solidFill>
-                <a:latin typeface="Corbel" pitchFamily="34" charset="0"/>
-              </a:defRPr>
-            </a:lvl6pPr>
-            <a:lvl7pPr marL="914400" algn="r" rtl="0" eaLnBrk="1" fontAlgn="base" hangingPunct="1">
-              <a:spcBef>
-                <a:spcPct val="0"/>
-              </a:spcBef>
-              <a:spcAft>
-                <a:spcPct val="0"/>
-              </a:spcAft>
-              <a:defRPr sz="3000" b="1">
-                <a:solidFill>
-                  <a:schemeClr val="tx2"/>
-                </a:solidFill>
-                <a:latin typeface="Corbel" pitchFamily="34" charset="0"/>
-              </a:defRPr>
-            </a:lvl7pPr>
-            <a:lvl8pPr marL="1371600" algn="r" rtl="0" eaLnBrk="1" fontAlgn="base" hangingPunct="1">
-              <a:spcBef>
-                <a:spcPct val="0"/>
-              </a:spcBef>
-              <a:spcAft>
-                <a:spcPct val="0"/>
-              </a:spcAft>
-              <a:defRPr sz="3000" b="1">
-                <a:solidFill>
-                  <a:schemeClr val="tx2"/>
-                </a:solidFill>
-                <a:latin typeface="Corbel" pitchFamily="34" charset="0"/>
-              </a:defRPr>
-            </a:lvl8pPr>
-            <a:lvl9pPr marL="1828800" algn="r" rtl="0" eaLnBrk="1" fontAlgn="base" hangingPunct="1">
-              <a:spcBef>
-                <a:spcPct val="0"/>
-              </a:spcBef>
-              <a:spcAft>
-                <a:spcPct val="0"/>
-              </a:spcAft>
-              <a:defRPr sz="3000" b="1">
-                <a:solidFill>
-                  <a:schemeClr val="tx2"/>
-                </a:solidFill>
-                <a:latin typeface="Corbel" pitchFamily="34" charset="0"/>
-              </a:defRPr>
-            </a:lvl9pPr>
-          </a:lstStyle>
-          <a:p>
-            <a:r>
-              <a:rPr lang="en-US" dirty="0" smtClean="0"/>
-              <a:t>JMeter</a:t>
-            </a:r>
-            <a:endParaRPr lang="en-US" dirty="0"/>
-          </a:p>
-        </p:txBody>
-      </p:sp>
-      <p:sp>
-        <p:nvSpPr>
-          <p:cNvPr id="19" name="Content Placeholder 2"/>
-          <p:cNvSpPr>
-            <a:spLocks noGrp="1"/>
-          </p:cNvSpPr>
-          <p:nvPr>
-            <p:ph idx="1"/>
-          </p:nvPr>
-        </p:nvSpPr>
-        <p:spPr>
-          <a:xfrm>
-            <a:off x="228600" y="981989"/>
-            <a:ext cx="8686800" cy="566592"/>
-          </a:xfrm>
-        </p:spPr>
-        <p:txBody>
-          <a:bodyPr/>
-          <a:lstStyle/>
-          <a:p>
-            <a:r>
               <a:rPr lang="en-US" dirty="0">
                 <a:cs typeface="Arial" pitchFamily="34" charset="0"/>
               </a:rPr>
@@ -15032,6 +14707,337 @@
 </p:sld>
 </file>
 
+<file path=ppt/slides/slide31.xml><?xml version="1.0" encoding="utf-8"?>
+<p:sld xmlns:a="http://schemas.openxmlformats.org/drawingml/2006/main" xmlns:r="http://schemas.openxmlformats.org/officeDocument/2006/relationships" xmlns:p="http://schemas.openxmlformats.org/presentationml/2006/main">
+  <p:cSld>
+    <p:spTree>
+      <p:nvGrpSpPr>
+        <p:cNvPr id="1" name=""/>
+        <p:cNvGrpSpPr/>
+        <p:nvPr/>
+      </p:nvGrpSpPr>
+      <p:grpSpPr>
+        <a:xfrm>
+          <a:off x="0" y="0"/>
+          <a:ext cx="0" cy="0"/>
+          <a:chOff x="0" y="0"/>
+          <a:chExt cx="0" cy="0"/>
+        </a:xfrm>
+      </p:grpSpPr>
+      <p:sp>
+        <p:nvSpPr>
+          <p:cNvPr id="15" name="Rectangle 2"/>
+          <p:cNvSpPr txBox="1">
+            <a:spLocks noChangeArrowheads="1"/>
+          </p:cNvSpPr>
+          <p:nvPr/>
+        </p:nvSpPr>
+        <p:spPr>
+          <a:xfrm>
+            <a:off x="1828800" y="217714"/>
+            <a:ext cx="7086600" cy="914400"/>
+          </a:xfrm>
+          <a:prstGeom prst="rect">
+            <a:avLst/>
+          </a:prstGeom>
+        </p:spPr>
+        <p:txBody>
+          <a:bodyPr anchor="ctr" anchorCtr="0">
+            <a:noAutofit/>
+          </a:bodyPr>
+          <a:lstStyle>
+            <a:lvl1pPr algn="r" rtl="0" eaLnBrk="0" fontAlgn="base" hangingPunct="0">
+              <a:lnSpc>
+                <a:spcPts val="4000"/>
+              </a:lnSpc>
+              <a:spcBef>
+                <a:spcPct val="0"/>
+              </a:spcBef>
+              <a:spcAft>
+                <a:spcPct val="0"/>
+              </a:spcAft>
+              <a:defRPr lang="en-US" sz="4000" b="1" kern="1200" baseline="0" dirty="0">
+                <a:ln w="500">
+                  <a:noFill/>
+                </a:ln>
+                <a:solidFill>
+                  <a:schemeClr val="tx2"/>
+                </a:solidFill>
+                <a:effectLst>
+                  <a:outerShdw blurRad="38100" dist="38100" dir="2700000" algn="tl">
+                    <a:srgbClr val="000000">
+                      <a:alpha val="43137"/>
+                    </a:srgbClr>
+                  </a:outerShdw>
+                  <a:reflection blurRad="12700" stA="20000" endPos="50000" dist="12700" dir="5400000" sy="-100000" algn="bl" rotWithShape="0"/>
+                </a:effectLst>
+                <a:latin typeface="+mj-lt"/>
+                <a:ea typeface="+mj-ea"/>
+                <a:cs typeface="+mj-cs"/>
+              </a:defRPr>
+            </a:lvl1pPr>
+            <a:lvl2pPr algn="r" rtl="0" eaLnBrk="1" fontAlgn="base" hangingPunct="1">
+              <a:spcBef>
+                <a:spcPct val="0"/>
+              </a:spcBef>
+              <a:spcAft>
+                <a:spcPct val="0"/>
+              </a:spcAft>
+              <a:defRPr sz="3000" b="1">
+                <a:solidFill>
+                  <a:schemeClr val="tx2"/>
+                </a:solidFill>
+                <a:latin typeface="Corbel" pitchFamily="34" charset="0"/>
+              </a:defRPr>
+            </a:lvl2pPr>
+            <a:lvl3pPr algn="r" rtl="0" eaLnBrk="1" fontAlgn="base" hangingPunct="1">
+              <a:spcBef>
+                <a:spcPct val="0"/>
+              </a:spcBef>
+              <a:spcAft>
+                <a:spcPct val="0"/>
+              </a:spcAft>
+              <a:defRPr sz="3000" b="1">
+                <a:solidFill>
+                  <a:schemeClr val="tx2"/>
+                </a:solidFill>
+                <a:latin typeface="Corbel" pitchFamily="34" charset="0"/>
+              </a:defRPr>
+            </a:lvl3pPr>
+            <a:lvl4pPr algn="r" rtl="0" eaLnBrk="1" fontAlgn="base" hangingPunct="1">
+              <a:spcBef>
+                <a:spcPct val="0"/>
+              </a:spcBef>
+              <a:spcAft>
+                <a:spcPct val="0"/>
+              </a:spcAft>
+              <a:defRPr sz="3000" b="1">
+                <a:solidFill>
+                  <a:schemeClr val="tx2"/>
+                </a:solidFill>
+                <a:latin typeface="Corbel" pitchFamily="34" charset="0"/>
+              </a:defRPr>
+            </a:lvl4pPr>
+            <a:lvl5pPr algn="r" rtl="0" eaLnBrk="1" fontAlgn="base" hangingPunct="1">
+              <a:spcBef>
+                <a:spcPct val="0"/>
+              </a:spcBef>
+              <a:spcAft>
+                <a:spcPct val="0"/>
+              </a:spcAft>
+              <a:defRPr sz="3000" b="1">
+                <a:solidFill>
+                  <a:schemeClr val="tx2"/>
+                </a:solidFill>
+                <a:latin typeface="Corbel" pitchFamily="34" charset="0"/>
+              </a:defRPr>
+            </a:lvl5pPr>
+            <a:lvl6pPr marL="457200" algn="r" rtl="0" eaLnBrk="1" fontAlgn="base" hangingPunct="1">
+              <a:spcBef>
+                <a:spcPct val="0"/>
+              </a:spcBef>
+              <a:spcAft>
+                <a:spcPct val="0"/>
+              </a:spcAft>
+              <a:defRPr sz="3000" b="1">
+                <a:solidFill>
+                  <a:schemeClr val="tx2"/>
+                </a:solidFill>
+                <a:latin typeface="Corbel" pitchFamily="34" charset="0"/>
+              </a:defRPr>
+            </a:lvl6pPr>
+            <a:lvl7pPr marL="914400" algn="r" rtl="0" eaLnBrk="1" fontAlgn="base" hangingPunct="1">
+              <a:spcBef>
+                <a:spcPct val="0"/>
+              </a:spcBef>
+              <a:spcAft>
+                <a:spcPct val="0"/>
+              </a:spcAft>
+              <a:defRPr sz="3000" b="1">
+                <a:solidFill>
+                  <a:schemeClr val="tx2"/>
+                </a:solidFill>
+                <a:latin typeface="Corbel" pitchFamily="34" charset="0"/>
+              </a:defRPr>
+            </a:lvl7pPr>
+            <a:lvl8pPr marL="1371600" algn="r" rtl="0" eaLnBrk="1" fontAlgn="base" hangingPunct="1">
+              <a:spcBef>
+                <a:spcPct val="0"/>
+              </a:spcBef>
+              <a:spcAft>
+                <a:spcPct val="0"/>
+              </a:spcAft>
+              <a:defRPr sz="3000" b="1">
+                <a:solidFill>
+                  <a:schemeClr val="tx2"/>
+                </a:solidFill>
+                <a:latin typeface="Corbel" pitchFamily="34" charset="0"/>
+              </a:defRPr>
+            </a:lvl8pPr>
+            <a:lvl9pPr marL="1828800" algn="r" rtl="0" eaLnBrk="1" fontAlgn="base" hangingPunct="1">
+              <a:spcBef>
+                <a:spcPct val="0"/>
+              </a:spcBef>
+              <a:spcAft>
+                <a:spcPct val="0"/>
+              </a:spcAft>
+              <a:defRPr sz="3000" b="1">
+                <a:solidFill>
+                  <a:schemeClr val="tx2"/>
+                </a:solidFill>
+                <a:latin typeface="Corbel" pitchFamily="34" charset="0"/>
+              </a:defRPr>
+            </a:lvl9pPr>
+          </a:lstStyle>
+          <a:p>
+            <a:r>
+              <a:rPr lang="en-US" dirty="0" smtClean="0"/>
+              <a:t>JMeter</a:t>
+            </a:r>
+            <a:endParaRPr lang="en-US" dirty="0"/>
+          </a:p>
+        </p:txBody>
+      </p:sp>
+      <p:sp>
+        <p:nvSpPr>
+          <p:cNvPr id="19" name="Content Placeholder 2"/>
+          <p:cNvSpPr>
+            <a:spLocks noGrp="1"/>
+          </p:cNvSpPr>
+          <p:nvPr>
+            <p:ph idx="1"/>
+          </p:nvPr>
+        </p:nvSpPr>
+        <p:spPr>
+          <a:xfrm>
+            <a:off x="228600" y="981989"/>
+            <a:ext cx="8686800" cy="566592"/>
+          </a:xfrm>
+        </p:spPr>
+        <p:txBody>
+          <a:bodyPr/>
+          <a:lstStyle/>
+          <a:p>
+            <a:r>
+              <a:rPr lang="en-US" dirty="0">
+                <a:cs typeface="Arial" pitchFamily="34" charset="0"/>
+              </a:rPr>
+              <a:t>How to use Timers in </a:t>
+            </a:r>
+            <a:r>
+              <a:rPr lang="en-US" dirty="0" smtClean="0">
+                <a:cs typeface="Arial" pitchFamily="34" charset="0"/>
+              </a:rPr>
+              <a:t>JMeter</a:t>
+            </a:r>
+            <a:endParaRPr lang="en-US" dirty="0">
+              <a:cs typeface="Arial" pitchFamily="34" charset="0"/>
+            </a:endParaRPr>
+          </a:p>
+          <a:p>
+            <a:pPr lvl="1"/>
+            <a:r>
+              <a:rPr lang="en-US" dirty="0"/>
+              <a:t>Constant Timer</a:t>
+            </a:r>
+          </a:p>
+          <a:p>
+            <a:pPr lvl="2">
+              <a:spcBef>
+                <a:spcPts val="0"/>
+              </a:spcBef>
+              <a:spcAft>
+                <a:spcPts val="0"/>
+              </a:spcAft>
+            </a:pPr>
+            <a:r>
+              <a:rPr lang="en-US" sz="2600" dirty="0" smtClean="0"/>
+              <a:t>Thread Group -&gt; Timer -&gt; Constant Timer</a:t>
+            </a:r>
+          </a:p>
+          <a:p>
+            <a:pPr lvl="2">
+              <a:spcBef>
+                <a:spcPts val="0"/>
+              </a:spcBef>
+              <a:spcAft>
+                <a:spcPts val="0"/>
+              </a:spcAft>
+            </a:pPr>
+            <a:r>
+              <a:rPr lang="en-US" sz="2600" dirty="0" smtClean="0"/>
+              <a:t>Delays each user request for the same amount of time</a:t>
+            </a:r>
+          </a:p>
+          <a:p>
+            <a:pPr lvl="1"/>
+            <a:r>
+              <a:rPr lang="en-US" dirty="0" smtClean="0"/>
+              <a:t>Gaussian </a:t>
+            </a:r>
+            <a:r>
+              <a:rPr lang="en-US" dirty="0"/>
+              <a:t>Random Timer</a:t>
+            </a:r>
+          </a:p>
+          <a:p>
+            <a:pPr lvl="2"/>
+            <a:r>
+              <a:rPr lang="en-US" sz="2600" dirty="0"/>
+              <a:t>Gaussian random timer delays each user request for a random amount of time</a:t>
+            </a:r>
+          </a:p>
+          <a:p>
+            <a:pPr lvl="1"/>
+            <a:r>
+              <a:rPr lang="en-US" dirty="0"/>
+              <a:t>Uniform Random Timer</a:t>
+            </a:r>
+          </a:p>
+          <a:p>
+            <a:pPr lvl="2"/>
+            <a:r>
+              <a:rPr lang="en-US" sz="2600" dirty="0"/>
+              <a:t>Uniform random timer delays each user request for a random amount of </a:t>
+            </a:r>
+            <a:r>
+              <a:rPr lang="en-US" sz="2600" dirty="0" smtClean="0"/>
+              <a:t>time</a:t>
+            </a:r>
+            <a:endParaRPr lang="en-US" sz="2600" dirty="0">
+              <a:cs typeface="Arial" pitchFamily="34" charset="0"/>
+            </a:endParaRPr>
+          </a:p>
+        </p:txBody>
+      </p:sp>
+    </p:spTree>
+    <p:extLst>
+      <p:ext uri="{BB962C8B-B14F-4D97-AF65-F5344CB8AC3E}">
+        <p14:creationId xmlns:p14="http://schemas.microsoft.com/office/powerpoint/2010/main" val="3157538884"/>
+      </p:ext>
+    </p:extLst>
+  </p:cSld>
+  <p:clrMapOvr>
+    <a:masterClrMapping/>
+  </p:clrMapOvr>
+  <mc:AlternateContent xmlns:mc="http://schemas.openxmlformats.org/markup-compatibility/2006" xmlns:p14="http://schemas.microsoft.com/office/powerpoint/2010/main">
+    <mc:Choice Requires="p14">
+      <p:transition p14:dur="0"/>
+    </mc:Choice>
+    <mc:Fallback xmlns="">
+      <p:transition/>
+    </mc:Fallback>
+  </mc:AlternateContent>
+  <p:timing>
+    <p:tnLst>
+      <p:par>
+        <p:cTn id="1" dur="indefinite" restart="never" nodeType="tmRoot"/>
+      </p:par>
+    </p:tnLst>
+  </p:timing>
+</p:sld>
+</file>
+
 <file path=ppt/slides/slide32.xml><?xml version="1.0" encoding="utf-8"?>
 <p:sld xmlns:a="http://schemas.openxmlformats.org/drawingml/2006/main" xmlns:r="http://schemas.openxmlformats.org/officeDocument/2006/relationships" xmlns:p="http://schemas.openxmlformats.org/presentationml/2006/main">
   <p:cSld>
@@ -15247,13 +15253,22 @@
               <a:rPr lang="en-US" dirty="0">
                 <a:cs typeface="Arial" pitchFamily="34" charset="0"/>
               </a:rPr>
-              <a:t>How to use Timers in </a:t>
+              <a:t>How to use Assertions in JMeter</a:t>
+            </a:r>
+          </a:p>
+          <a:p>
+            <a:pPr lvl="1"/>
+            <a:r>
+              <a:rPr lang="en-US" dirty="0">
+                <a:cs typeface="Arial" pitchFamily="34" charset="0"/>
+              </a:rPr>
+              <a:t>Assertion help verify that your server under test returns the expected </a:t>
             </a:r>
             <a:r>
               <a:rPr lang="en-US" dirty="0" smtClean="0">
                 <a:cs typeface="Arial" pitchFamily="34" charset="0"/>
               </a:rPr>
-              <a:t>JMeter</a:t>
+              <a:t>results</a:t>
             </a:r>
             <a:endParaRPr lang="en-US" dirty="0">
               <a:cs typeface="Arial" pitchFamily="34" charset="0"/>
@@ -15262,74 +15277,30 @@
           <a:p>
             <a:pPr lvl="1"/>
             <a:r>
-              <a:rPr lang="en-US" dirty="0"/>
-              <a:t>Constant Timer</a:t>
-            </a:r>
-          </a:p>
-          <a:p>
-            <a:pPr lvl="2">
-              <a:spcBef>
-                <a:spcPts val="0"/>
-              </a:spcBef>
-              <a:spcAft>
-                <a:spcPts val="0"/>
-              </a:spcAft>
-            </a:pPr>
-            <a:r>
-              <a:rPr lang="en-US" sz="2600" dirty="0" smtClean="0"/>
-              <a:t>Thread Group -&gt; Timer -&gt; Constant Timer</a:t>
-            </a:r>
-          </a:p>
-          <a:p>
-            <a:pPr lvl="2">
-              <a:spcBef>
-                <a:spcPts val="0"/>
-              </a:spcBef>
-              <a:spcAft>
-                <a:spcPts val="0"/>
-              </a:spcAft>
-            </a:pPr>
-            <a:r>
-              <a:rPr lang="en-US" sz="2600" dirty="0" smtClean="0"/>
-              <a:t>Delays each user request for the same amount of time</a:t>
-            </a:r>
-          </a:p>
-          <a:p>
-            <a:pPr lvl="1"/>
-            <a:r>
-              <a:rPr lang="en-US" dirty="0" smtClean="0"/>
-              <a:t>Gaussian </a:t>
-            </a:r>
-            <a:r>
-              <a:rPr lang="en-US" dirty="0"/>
-              <a:t>Random Timer</a:t>
+              <a:rPr lang="en-US" dirty="0" smtClean="0">
+                <a:cs typeface="Arial" pitchFamily="34" charset="0"/>
+              </a:rPr>
+              <a:t>Be careful: </a:t>
             </a:r>
           </a:p>
           <a:p>
             <a:pPr lvl="2"/>
             <a:r>
-              <a:rPr lang="en-US" sz="2600" dirty="0"/>
-              <a:t>Gaussian random timer delays each user request for a random amount of time</a:t>
-            </a:r>
-          </a:p>
-          <a:p>
-            <a:pPr lvl="1"/>
-            <a:r>
-              <a:rPr lang="en-US" dirty="0"/>
-              <a:t>Uniform Random Timer</a:t>
+              <a:rPr lang="en-US" dirty="0" smtClean="0">
+                <a:cs typeface="Arial" pitchFamily="34" charset="0"/>
+              </a:rPr>
+              <a:t>Sometimes asserts add additional resource usage to client machines</a:t>
             </a:r>
           </a:p>
           <a:p>
             <a:pPr lvl="2"/>
             <a:r>
-              <a:rPr lang="en-US" sz="2600" dirty="0"/>
-              <a:t>Uniform random timer delays each user request for a random amount of </a:t>
-            </a:r>
-            <a:r>
-              <a:rPr lang="en-US" sz="2600" dirty="0" smtClean="0"/>
-              <a:t>time</a:t>
-            </a:r>
-            <a:endParaRPr lang="en-US" sz="2600" dirty="0">
+              <a:rPr lang="en-US" dirty="0" smtClean="0">
+                <a:cs typeface="Arial" pitchFamily="34" charset="0"/>
+              </a:rPr>
+              <a:t>Sometimes asserts might add additional timing and change the results </a:t>
+            </a:r>
+            <a:endParaRPr lang="en-US" dirty="0">
               <a:cs typeface="Arial" pitchFamily="34" charset="0"/>
             </a:endParaRPr>
           </a:p>
@@ -15338,7 +15309,7 @@
     </p:spTree>
     <p:extLst>
       <p:ext uri="{BB962C8B-B14F-4D97-AF65-F5344CB8AC3E}">
-        <p14:creationId xmlns:p14="http://schemas.microsoft.com/office/powerpoint/2010/main" val="3157538884"/>
+        <p14:creationId xmlns:p14="http://schemas.microsoft.com/office/powerpoint/2010/main" val="2534552093"/>
       </p:ext>
     </p:extLst>
   </p:cSld>
@@ -15575,10 +15546,16 @@
           <a:lstStyle/>
           <a:p>
             <a:r>
+              <a:rPr lang="en-US" dirty="0" smtClean="0">
+                <a:cs typeface="Arial" pitchFamily="34" charset="0"/>
+              </a:rPr>
+              <a:t>Commonly </a:t>
+            </a:r>
+            <a:r>
               <a:rPr lang="en-US" dirty="0">
                 <a:cs typeface="Arial" pitchFamily="34" charset="0"/>
               </a:rPr>
-              <a:t>How to use Assertions in JMeter</a:t>
+              <a:t>used Assertion in JMeter</a:t>
             </a:r>
           </a:p>
           <a:p>
@@ -15587,54 +15564,149 @@
               <a:rPr lang="en-US" dirty="0">
                 <a:cs typeface="Arial" pitchFamily="34" charset="0"/>
               </a:rPr>
-              <a:t>Assertion help verify that your server under test returns the expected </a:t>
-            </a:r>
-            <a:r>
-              <a:rPr lang="en-US" dirty="0" smtClean="0">
+              <a:t>Response Assertion</a:t>
+            </a:r>
+          </a:p>
+          <a:p>
+            <a:pPr lvl="2">
+              <a:spcBef>
+                <a:spcPts val="400"/>
+              </a:spcBef>
+              <a:spcAft>
+                <a:spcPts val="400"/>
+              </a:spcAft>
+            </a:pPr>
+            <a:r>
+              <a:rPr lang="en-US" dirty="0"/>
+              <a:t>Thread Group </a:t>
+            </a:r>
+            <a:r>
+              <a:rPr lang="en-US" i="1" dirty="0"/>
+              <a:t>-&gt;</a:t>
+            </a:r>
+            <a:r>
+              <a:rPr lang="en-US" dirty="0"/>
+              <a:t> Add </a:t>
+            </a:r>
+            <a:r>
+              <a:rPr lang="en-US" i="1" dirty="0"/>
+              <a:t>-&gt;</a:t>
+            </a:r>
+            <a:r>
+              <a:rPr lang="en-US" dirty="0"/>
+              <a:t> Assertions </a:t>
+            </a:r>
+            <a:r>
+              <a:rPr lang="en-US" i="1" dirty="0"/>
+              <a:t>-&gt; </a:t>
+            </a:r>
+            <a:r>
+              <a:rPr lang="en-US" dirty="0"/>
+              <a:t>Response Assertion</a:t>
+            </a:r>
+          </a:p>
+          <a:p>
+            <a:pPr lvl="2">
+              <a:spcBef>
+                <a:spcPts val="400"/>
+              </a:spcBef>
+              <a:spcAft>
+                <a:spcPts val="400"/>
+              </a:spcAft>
+            </a:pPr>
+            <a:r>
+              <a:rPr lang="en-US" dirty="0">
                 <a:cs typeface="Arial" pitchFamily="34" charset="0"/>
               </a:rPr>
-              <a:t>results</a:t>
-            </a:r>
-            <a:endParaRPr lang="en-US" dirty="0">
-              <a:cs typeface="Arial" pitchFamily="34" charset="0"/>
-            </a:endParaRPr>
-          </a:p>
-          <a:p>
-            <a:pPr lvl="1"/>
-            <a:r>
-              <a:rPr lang="en-US" dirty="0" smtClean="0">
+              <a:t>Assert Response contains Text</a:t>
+            </a:r>
+          </a:p>
+          <a:p>
+            <a:pPr lvl="2">
+              <a:spcBef>
+                <a:spcPts val="400"/>
+              </a:spcBef>
+              <a:spcAft>
+                <a:spcPts val="400"/>
+              </a:spcAft>
+            </a:pPr>
+            <a:r>
+              <a:rPr lang="en-US" dirty="0">
                 <a:cs typeface="Arial" pitchFamily="34" charset="0"/>
               </a:rPr>
-              <a:t>Be careful: </a:t>
-            </a:r>
-          </a:p>
-          <a:p>
-            <a:pPr lvl="2"/>
-            <a:r>
-              <a:rPr lang="en-US" dirty="0" smtClean="0">
+              <a:t>Assert Response Status Code is correct</a:t>
+            </a:r>
+          </a:p>
+          <a:p>
+            <a:pPr lvl="1">
+              <a:spcBef>
+                <a:spcPts val="400"/>
+              </a:spcBef>
+              <a:spcAft>
+                <a:spcPts val="400"/>
+              </a:spcAft>
+            </a:pPr>
+            <a:r>
+              <a:rPr lang="en-US" dirty="0">
                 <a:cs typeface="Arial" pitchFamily="34" charset="0"/>
               </a:rPr>
-              <a:t>Sometimes asserts add additional resource usage to client machines</a:t>
-            </a:r>
-          </a:p>
-          <a:p>
-            <a:pPr lvl="2"/>
-            <a:r>
-              <a:rPr lang="en-US" dirty="0" smtClean="0">
+              <a:t>Duration Assertion</a:t>
+            </a:r>
+          </a:p>
+          <a:p>
+            <a:pPr lvl="1">
+              <a:spcBef>
+                <a:spcPts val="400"/>
+              </a:spcBef>
+              <a:spcAft>
+                <a:spcPts val="400"/>
+              </a:spcAft>
+            </a:pPr>
+            <a:r>
+              <a:rPr lang="en-US" dirty="0">
                 <a:cs typeface="Arial" pitchFamily="34" charset="0"/>
               </a:rPr>
-              <a:t>Sometimes asserts might add additional timing and change the results </a:t>
-            </a:r>
-            <a:endParaRPr lang="en-US" dirty="0">
-              <a:cs typeface="Arial" pitchFamily="34" charset="0"/>
-            </a:endParaRPr>
+              <a:t>Size Assertion</a:t>
+            </a:r>
+          </a:p>
+          <a:p>
+            <a:pPr lvl="1">
+              <a:spcBef>
+                <a:spcPts val="400"/>
+              </a:spcBef>
+              <a:spcAft>
+                <a:spcPts val="400"/>
+              </a:spcAft>
+            </a:pPr>
+            <a:r>
+              <a:rPr lang="en-US" dirty="0">
+                <a:cs typeface="Arial" pitchFamily="34" charset="0"/>
+              </a:rPr>
+              <a:t>XML Assertion</a:t>
+            </a:r>
+          </a:p>
+          <a:p>
+            <a:pPr lvl="1">
+              <a:spcBef>
+                <a:spcPts val="400"/>
+              </a:spcBef>
+              <a:spcAft>
+                <a:spcPts val="400"/>
+              </a:spcAft>
+            </a:pPr>
+            <a:r>
+              <a:rPr lang="en-US" dirty="0">
+                <a:cs typeface="Arial" pitchFamily="34" charset="0"/>
+              </a:rPr>
+              <a:t>HTML Assertion</a:t>
+            </a:r>
           </a:p>
         </p:txBody>
       </p:sp>
     </p:spTree>
     <p:extLst>
       <p:ext uri="{BB962C8B-B14F-4D97-AF65-F5344CB8AC3E}">
-        <p14:creationId xmlns:p14="http://schemas.microsoft.com/office/powerpoint/2010/main" val="2534552093"/>
+        <p14:creationId xmlns:p14="http://schemas.microsoft.com/office/powerpoint/2010/main" val="1835334499"/>
       </p:ext>
     </p:extLst>
   </p:cSld>
@@ -15871,167 +15943,63 @@
           <a:lstStyle/>
           <a:p>
             <a:r>
-              <a:rPr lang="en-US" dirty="0" smtClean="0">
-                <a:cs typeface="Arial" pitchFamily="34" charset="0"/>
-              </a:rPr>
-              <a:t>Commonly </a:t>
-            </a:r>
-            <a:r>
               <a:rPr lang="en-US" dirty="0">
                 <a:cs typeface="Arial" pitchFamily="34" charset="0"/>
               </a:rPr>
-              <a:t>used Assertion in JMeter</a:t>
+              <a:t>Adding Graph Results</a:t>
             </a:r>
           </a:p>
           <a:p>
             <a:pPr lvl="1"/>
             <a:r>
-              <a:rPr lang="en-US" dirty="0">
-                <a:cs typeface="Arial" pitchFamily="34" charset="0"/>
-              </a:rPr>
-              <a:t>Response Assertion</a:t>
-            </a:r>
-          </a:p>
-          <a:p>
-            <a:pPr lvl="2">
-              <a:spcBef>
-                <a:spcPts val="400"/>
-              </a:spcBef>
-              <a:spcAft>
-                <a:spcPts val="400"/>
-              </a:spcAft>
-            </a:pPr>
-            <a:r>
-              <a:rPr lang="en-US" dirty="0"/>
-              <a:t>Thread Group </a:t>
-            </a:r>
-            <a:r>
-              <a:rPr lang="en-US" i="1" dirty="0"/>
-              <a:t>-&gt;</a:t>
-            </a:r>
-            <a:r>
-              <a:rPr lang="en-US" dirty="0"/>
-              <a:t> Add </a:t>
-            </a:r>
-            <a:r>
-              <a:rPr lang="en-US" i="1" dirty="0"/>
-              <a:t>-&gt;</a:t>
-            </a:r>
-            <a:r>
-              <a:rPr lang="en-US" dirty="0"/>
-              <a:t> Assertions </a:t>
-            </a:r>
-            <a:r>
-              <a:rPr lang="en-US" i="1" dirty="0"/>
-              <a:t>-&gt; </a:t>
-            </a:r>
-            <a:r>
-              <a:rPr lang="en-US" dirty="0"/>
-              <a:t>Response Assertion</a:t>
-            </a:r>
-          </a:p>
-          <a:p>
-            <a:pPr lvl="2">
-              <a:spcBef>
-                <a:spcPts val="400"/>
-              </a:spcBef>
-              <a:spcAft>
-                <a:spcPts val="400"/>
-              </a:spcAft>
-            </a:pPr>
-            <a:r>
-              <a:rPr lang="en-US" dirty="0">
-                <a:cs typeface="Arial" pitchFamily="34" charset="0"/>
-              </a:rPr>
-              <a:t>Assert Response contains Text</a:t>
-            </a:r>
-          </a:p>
-          <a:p>
-            <a:pPr lvl="2">
-              <a:spcBef>
-                <a:spcPts val="400"/>
-              </a:spcBef>
-              <a:spcAft>
-                <a:spcPts val="400"/>
-              </a:spcAft>
-            </a:pPr>
-            <a:r>
-              <a:rPr lang="en-US" dirty="0">
-                <a:cs typeface="Arial" pitchFamily="34" charset="0"/>
-              </a:rPr>
-              <a:t>Assert Response Status Code is correct</a:t>
-            </a:r>
-          </a:p>
-          <a:p>
-            <a:pPr lvl="1">
-              <a:spcBef>
-                <a:spcPts val="400"/>
-              </a:spcBef>
-              <a:spcAft>
-                <a:spcPts val="400"/>
-              </a:spcAft>
-            </a:pPr>
-            <a:r>
-              <a:rPr lang="en-US" dirty="0">
-                <a:cs typeface="Arial" pitchFamily="34" charset="0"/>
-              </a:rPr>
-              <a:t>Duration Assertion</a:t>
-            </a:r>
-          </a:p>
-          <a:p>
-            <a:pPr lvl="1">
-              <a:spcBef>
-                <a:spcPts val="400"/>
-              </a:spcBef>
-              <a:spcAft>
-                <a:spcPts val="400"/>
-              </a:spcAft>
-            </a:pPr>
-            <a:r>
-              <a:rPr lang="en-US" dirty="0">
-                <a:cs typeface="Arial" pitchFamily="34" charset="0"/>
-              </a:rPr>
-              <a:t>Size Assertion</a:t>
-            </a:r>
-          </a:p>
-          <a:p>
-            <a:pPr lvl="1">
-              <a:spcBef>
-                <a:spcPts val="400"/>
-              </a:spcBef>
-              <a:spcAft>
-                <a:spcPts val="400"/>
-              </a:spcAft>
-            </a:pPr>
-            <a:r>
-              <a:rPr lang="en-US" dirty="0">
-                <a:cs typeface="Arial" pitchFamily="34" charset="0"/>
-              </a:rPr>
-              <a:t>XML Assertion</a:t>
-            </a:r>
-          </a:p>
-          <a:p>
-            <a:pPr lvl="1">
-              <a:spcBef>
-                <a:spcPts val="400"/>
-              </a:spcBef>
-              <a:spcAft>
-                <a:spcPts val="400"/>
-              </a:spcAft>
-            </a:pPr>
-            <a:r>
-              <a:rPr lang="en-US" dirty="0">
-                <a:cs typeface="Arial" pitchFamily="34" charset="0"/>
-              </a:rPr>
-              <a:t>HTML Assertion</a:t>
+              <a:rPr lang="en-US" sz="2800" dirty="0"/>
+              <a:t>Right click Test Plan, Add -&gt; Listener -&gt; Graph Results</a:t>
             </a:r>
           </a:p>
         </p:txBody>
       </p:sp>
+      <p:pic>
+        <p:nvPicPr>
+          <p:cNvPr id="3" name="Picture 2"/>
+          <p:cNvPicPr>
+            <a:picLocks noChangeAspect="1"/>
+          </p:cNvPicPr>
+          <p:nvPr/>
+        </p:nvPicPr>
+        <p:blipFill>
+          <a:blip r:embed="rId2"/>
+          <a:stretch>
+            <a:fillRect/>
+          </a:stretch>
+        </p:blipFill>
+        <p:spPr>
+          <a:xfrm>
+            <a:off x="2792477" y="2241776"/>
+            <a:ext cx="5686425" cy="4333875"/>
+          </a:xfrm>
+          <a:prstGeom prst="rect">
+            <a:avLst/>
+          </a:prstGeom>
+          <a:noFill/>
+          <a:ln>
+            <a:noFill/>
+          </a:ln>
+          <a:effectLst>
+            <a:glow rad="101600">
+              <a:schemeClr val="tx1">
+                <a:alpha val="40000"/>
+              </a:schemeClr>
+            </a:glow>
+            <a:outerShdw dist="35921" dir="2700000" algn="ctr" rotWithShape="0">
+              <a:schemeClr val="bg2"/>
+            </a:outerShdw>
+          </a:effectLst>
+        </p:spPr>
+      </p:pic>
     </p:spTree>
     <p:extLst>
       <p:ext uri="{BB962C8B-B14F-4D97-AF65-F5344CB8AC3E}">
-        <p14:creationId xmlns:p14="http://schemas.microsoft.com/office/powerpoint/2010/main" val="1835334499"/>
+        <p14:creationId xmlns:p14="http://schemas.microsoft.com/office/powerpoint/2010/main" val="3891468465"/>
       </p:ext>
     </p:extLst>
   </p:cSld>
@@ -16271,21 +16239,28 @@
               <a:rPr lang="en-US" dirty="0">
                 <a:cs typeface="Arial" pitchFamily="34" charset="0"/>
               </a:rPr>
-              <a:t>Adding Graph Results</a:t>
+              <a:t>Run Tests and get results</a:t>
             </a:r>
           </a:p>
           <a:p>
             <a:pPr lvl="1"/>
             <a:r>
               <a:rPr lang="en-US" sz="2800" dirty="0"/>
-              <a:t>Right click Test Plan, Add -&gt; Listener -&gt; Graph Results</a:t>
-            </a:r>
+              <a:t>Press Run button (Ctrl + R) on Toolbar to start the testing process. You will see the test result display on Graph at the real </a:t>
+            </a:r>
+            <a:r>
+              <a:rPr lang="en-US" sz="2800" dirty="0" smtClean="0"/>
+              <a:t>time</a:t>
+            </a:r>
+            <a:endParaRPr lang="en-US" sz="2800" dirty="0">
+              <a:cs typeface="Arial" pitchFamily="34" charset="0"/>
+            </a:endParaRPr>
           </a:p>
         </p:txBody>
       </p:sp>
       <p:pic>
         <p:nvPicPr>
-          <p:cNvPr id="4" name="Picture 2" descr="http://cdn.guru99.com/images/AddGrapgResultJMeter.png"/>
+          <p:cNvPr id="5" name="Picture 6" descr="http://cdn.guru99.com/images/GraphResultGraphJMeter.png"/>
           <p:cNvPicPr>
             <a:picLocks noChangeAspect="1" noChangeArrowheads="1"/>
           </p:cNvPicPr>
@@ -16306,8 +16281,8 @@
         </p:blipFill>
         <p:spPr bwMode="auto">
           <a:xfrm>
-            <a:off x="1224116" y="2627654"/>
-            <a:ext cx="6429222" cy="4110840"/>
+            <a:off x="4873889" y="2784111"/>
+            <a:ext cx="4232787" cy="4036566"/>
           </a:xfrm>
           <a:prstGeom prst="rect">
             <a:avLst/>
@@ -16340,7 +16315,7 @@
     </p:spTree>
     <p:extLst>
       <p:ext uri="{BB962C8B-B14F-4D97-AF65-F5344CB8AC3E}">
-        <p14:creationId xmlns:p14="http://schemas.microsoft.com/office/powerpoint/2010/main" val="3891468465"/>
+        <p14:creationId xmlns:p14="http://schemas.microsoft.com/office/powerpoint/2010/main" val="2861587359"/>
       </p:ext>
     </p:extLst>
   </p:cSld>
@@ -16580,19 +16555,19 @@
               <a:rPr lang="en-US" dirty="0">
                 <a:cs typeface="Arial" pitchFamily="34" charset="0"/>
               </a:rPr>
-              <a:t>Run Tests and get results</a:t>
+              <a:t>View Results in Table</a:t>
             </a:r>
           </a:p>
           <a:p>
             <a:pPr lvl="1"/>
             <a:r>
-              <a:rPr lang="en-US" sz="2800" dirty="0"/>
-              <a:t>Press Run button (Ctrl + R) on Toolbar to start the testing process. You will see the test result display on Graph at the real </a:t>
-            </a:r>
-            <a:r>
-              <a:rPr lang="en-US" sz="2800" dirty="0" smtClean="0"/>
-              <a:t>time</a:t>
-            </a:r>
+              <a:rPr lang="en-US" sz="2800" dirty="0">
+                <a:cs typeface="Arial" pitchFamily="34" charset="0"/>
+              </a:rPr>
+              <a:t>Right click Add -&gt; Listener -&gt; View Result in Table</a:t>
+            </a:r>
+          </a:p>
+          <a:p>
             <a:endParaRPr lang="en-US" sz="2800" dirty="0">
               <a:cs typeface="Arial" pitchFamily="34" charset="0"/>
             </a:endParaRPr>
@@ -16601,29 +16576,22 @@
       </p:sp>
       <p:pic>
         <p:nvPicPr>
-          <p:cNvPr id="5" name="Picture 6" descr="http://cdn.guru99.com/images/GraphResultGraphJMeter.png"/>
+          <p:cNvPr id="4" name="Picture 3"/>
           <p:cNvPicPr>
-            <a:picLocks noChangeAspect="1" noChangeArrowheads="1"/>
+            <a:picLocks noChangeAspect="1"/>
           </p:cNvPicPr>
           <p:nvPr/>
         </p:nvPicPr>
         <p:blipFill>
-          <a:blip r:embed="rId2">
-            <a:extLst>
-              <a:ext uri="{28A0092B-C50C-407E-A947-70E740481C1C}">
-                <a14:useLocalDpi xmlns:a14="http://schemas.microsoft.com/office/drawing/2010/main" val="0"/>
-              </a:ext>
-            </a:extLst>
-          </a:blip>
-          <a:srcRect/>
+          <a:blip r:embed="rId2"/>
           <a:stretch>
             <a:fillRect/>
           </a:stretch>
         </p:blipFill>
-        <p:spPr bwMode="auto">
+        <p:spPr>
           <a:xfrm>
-            <a:off x="4873889" y="2784111"/>
-            <a:ext cx="4232787" cy="4036566"/>
+            <a:off x="390525" y="3719221"/>
+            <a:ext cx="8362950" cy="1733550"/>
           </a:xfrm>
           <a:prstGeom prst="rect">
             <a:avLst/>
@@ -16642,329 +16610,6 @@
               <a:schemeClr val="bg2"/>
             </a:outerShdw>
           </a:effectLst>
-          <a:extLst>
-            <a:ext uri="{909E8E84-426E-40DD-AFC4-6F175D3DCCD1}">
-              <a14:hiddenFill xmlns:a14="http://schemas.microsoft.com/office/drawing/2010/main">
-                <a:solidFill>
-                  <a:srgbClr val="FFFFFF"/>
-                </a:solidFill>
-              </a14:hiddenFill>
-            </a:ext>
-          </a:extLst>
-        </p:spPr>
-      </p:pic>
-    </p:spTree>
-    <p:extLst>
-      <p:ext uri="{BB962C8B-B14F-4D97-AF65-F5344CB8AC3E}">
-        <p14:creationId xmlns:p14="http://schemas.microsoft.com/office/powerpoint/2010/main" val="2861587359"/>
-      </p:ext>
-    </p:extLst>
-  </p:cSld>
-  <p:clrMapOvr>
-    <a:masterClrMapping/>
-  </p:clrMapOvr>
-  <mc:AlternateContent xmlns:mc="http://schemas.openxmlformats.org/markup-compatibility/2006" xmlns:p14="http://schemas.microsoft.com/office/powerpoint/2010/main">
-    <mc:Choice Requires="p14">
-      <p:transition p14:dur="0"/>
-    </mc:Choice>
-    <mc:Fallback xmlns="">
-      <p:transition/>
-    </mc:Fallback>
-  </mc:AlternateContent>
-  <p:timing>
-    <p:tnLst>
-      <p:par>
-        <p:cTn id="1" dur="indefinite" restart="never" nodeType="tmRoot"/>
-      </p:par>
-    </p:tnLst>
-  </p:timing>
-</p:sld>
-</file>
-
-<file path=ppt/slides/slide37.xml><?xml version="1.0" encoding="utf-8"?>
-<p:sld xmlns:a="http://schemas.openxmlformats.org/drawingml/2006/main" xmlns:r="http://schemas.openxmlformats.org/officeDocument/2006/relationships" xmlns:p="http://schemas.openxmlformats.org/presentationml/2006/main">
-  <p:cSld>
-    <p:spTree>
-      <p:nvGrpSpPr>
-        <p:cNvPr id="1" name=""/>
-        <p:cNvGrpSpPr/>
-        <p:nvPr/>
-      </p:nvGrpSpPr>
-      <p:grpSpPr>
-        <a:xfrm>
-          <a:off x="0" y="0"/>
-          <a:ext cx="0" cy="0"/>
-          <a:chOff x="0" y="0"/>
-          <a:chExt cx="0" cy="0"/>
-        </a:xfrm>
-      </p:grpSpPr>
-      <p:sp>
-        <p:nvSpPr>
-          <p:cNvPr id="15" name="Rectangle 2"/>
-          <p:cNvSpPr txBox="1">
-            <a:spLocks noChangeArrowheads="1"/>
-          </p:cNvSpPr>
-          <p:nvPr/>
-        </p:nvSpPr>
-        <p:spPr>
-          <a:xfrm>
-            <a:off x="1828800" y="217714"/>
-            <a:ext cx="7086600" cy="914400"/>
-          </a:xfrm>
-          <a:prstGeom prst="rect">
-            <a:avLst/>
-          </a:prstGeom>
-        </p:spPr>
-        <p:txBody>
-          <a:bodyPr anchor="ctr" anchorCtr="0">
-            <a:noAutofit/>
-          </a:bodyPr>
-          <a:lstStyle>
-            <a:lvl1pPr algn="r" rtl="0" eaLnBrk="0" fontAlgn="base" hangingPunct="0">
-              <a:lnSpc>
-                <a:spcPts val="4000"/>
-              </a:lnSpc>
-              <a:spcBef>
-                <a:spcPct val="0"/>
-              </a:spcBef>
-              <a:spcAft>
-                <a:spcPct val="0"/>
-              </a:spcAft>
-              <a:defRPr lang="en-US" sz="4000" b="1" kern="1200" baseline="0" dirty="0">
-                <a:ln w="500">
-                  <a:noFill/>
-                </a:ln>
-                <a:solidFill>
-                  <a:schemeClr val="tx2"/>
-                </a:solidFill>
-                <a:effectLst>
-                  <a:outerShdw blurRad="38100" dist="38100" dir="2700000" algn="tl">
-                    <a:srgbClr val="000000">
-                      <a:alpha val="43137"/>
-                    </a:srgbClr>
-                  </a:outerShdw>
-                  <a:reflection blurRad="12700" stA="20000" endPos="50000" dist="12700" dir="5400000" sy="-100000" algn="bl" rotWithShape="0"/>
-                </a:effectLst>
-                <a:latin typeface="+mj-lt"/>
-                <a:ea typeface="+mj-ea"/>
-                <a:cs typeface="+mj-cs"/>
-              </a:defRPr>
-            </a:lvl1pPr>
-            <a:lvl2pPr algn="r" rtl="0" eaLnBrk="1" fontAlgn="base" hangingPunct="1">
-              <a:spcBef>
-                <a:spcPct val="0"/>
-              </a:spcBef>
-              <a:spcAft>
-                <a:spcPct val="0"/>
-              </a:spcAft>
-              <a:defRPr sz="3000" b="1">
-                <a:solidFill>
-                  <a:schemeClr val="tx2"/>
-                </a:solidFill>
-                <a:latin typeface="Corbel" pitchFamily="34" charset="0"/>
-              </a:defRPr>
-            </a:lvl2pPr>
-            <a:lvl3pPr algn="r" rtl="0" eaLnBrk="1" fontAlgn="base" hangingPunct="1">
-              <a:spcBef>
-                <a:spcPct val="0"/>
-              </a:spcBef>
-              <a:spcAft>
-                <a:spcPct val="0"/>
-              </a:spcAft>
-              <a:defRPr sz="3000" b="1">
-                <a:solidFill>
-                  <a:schemeClr val="tx2"/>
-                </a:solidFill>
-                <a:latin typeface="Corbel" pitchFamily="34" charset="0"/>
-              </a:defRPr>
-            </a:lvl3pPr>
-            <a:lvl4pPr algn="r" rtl="0" eaLnBrk="1" fontAlgn="base" hangingPunct="1">
-              <a:spcBef>
-                <a:spcPct val="0"/>
-              </a:spcBef>
-              <a:spcAft>
-                <a:spcPct val="0"/>
-              </a:spcAft>
-              <a:defRPr sz="3000" b="1">
-                <a:solidFill>
-                  <a:schemeClr val="tx2"/>
-                </a:solidFill>
-                <a:latin typeface="Corbel" pitchFamily="34" charset="0"/>
-              </a:defRPr>
-            </a:lvl4pPr>
-            <a:lvl5pPr algn="r" rtl="0" eaLnBrk="1" fontAlgn="base" hangingPunct="1">
-              <a:spcBef>
-                <a:spcPct val="0"/>
-              </a:spcBef>
-              <a:spcAft>
-                <a:spcPct val="0"/>
-              </a:spcAft>
-              <a:defRPr sz="3000" b="1">
-                <a:solidFill>
-                  <a:schemeClr val="tx2"/>
-                </a:solidFill>
-                <a:latin typeface="Corbel" pitchFamily="34" charset="0"/>
-              </a:defRPr>
-            </a:lvl5pPr>
-            <a:lvl6pPr marL="457200" algn="r" rtl="0" eaLnBrk="1" fontAlgn="base" hangingPunct="1">
-              <a:spcBef>
-                <a:spcPct val="0"/>
-              </a:spcBef>
-              <a:spcAft>
-                <a:spcPct val="0"/>
-              </a:spcAft>
-              <a:defRPr sz="3000" b="1">
-                <a:solidFill>
-                  <a:schemeClr val="tx2"/>
-                </a:solidFill>
-                <a:latin typeface="Corbel" pitchFamily="34" charset="0"/>
-              </a:defRPr>
-            </a:lvl6pPr>
-            <a:lvl7pPr marL="914400" algn="r" rtl="0" eaLnBrk="1" fontAlgn="base" hangingPunct="1">
-              <a:spcBef>
-                <a:spcPct val="0"/>
-              </a:spcBef>
-              <a:spcAft>
-                <a:spcPct val="0"/>
-              </a:spcAft>
-              <a:defRPr sz="3000" b="1">
-                <a:solidFill>
-                  <a:schemeClr val="tx2"/>
-                </a:solidFill>
-                <a:latin typeface="Corbel" pitchFamily="34" charset="0"/>
-              </a:defRPr>
-            </a:lvl7pPr>
-            <a:lvl8pPr marL="1371600" algn="r" rtl="0" eaLnBrk="1" fontAlgn="base" hangingPunct="1">
-              <a:spcBef>
-                <a:spcPct val="0"/>
-              </a:spcBef>
-              <a:spcAft>
-                <a:spcPct val="0"/>
-              </a:spcAft>
-              <a:defRPr sz="3000" b="1">
-                <a:solidFill>
-                  <a:schemeClr val="tx2"/>
-                </a:solidFill>
-                <a:latin typeface="Corbel" pitchFamily="34" charset="0"/>
-              </a:defRPr>
-            </a:lvl8pPr>
-            <a:lvl9pPr marL="1828800" algn="r" rtl="0" eaLnBrk="1" fontAlgn="base" hangingPunct="1">
-              <a:spcBef>
-                <a:spcPct val="0"/>
-              </a:spcBef>
-              <a:spcAft>
-                <a:spcPct val="0"/>
-              </a:spcAft>
-              <a:defRPr sz="3000" b="1">
-                <a:solidFill>
-                  <a:schemeClr val="tx2"/>
-                </a:solidFill>
-                <a:latin typeface="Corbel" pitchFamily="34" charset="0"/>
-              </a:defRPr>
-            </a:lvl9pPr>
-          </a:lstStyle>
-          <a:p>
-            <a:r>
-              <a:rPr lang="en-US" dirty="0" smtClean="0"/>
-              <a:t>JMeter</a:t>
-            </a:r>
-            <a:endParaRPr lang="en-US" dirty="0"/>
-          </a:p>
-        </p:txBody>
-      </p:sp>
-      <p:sp>
-        <p:nvSpPr>
-          <p:cNvPr id="19" name="Content Placeholder 2"/>
-          <p:cNvSpPr>
-            <a:spLocks noGrp="1"/>
-          </p:cNvSpPr>
-          <p:nvPr>
-            <p:ph idx="1"/>
-          </p:nvPr>
-        </p:nvSpPr>
-        <p:spPr>
-          <a:xfrm>
-            <a:off x="228600" y="981989"/>
-            <a:ext cx="8686800" cy="566592"/>
-          </a:xfrm>
-        </p:spPr>
-        <p:txBody>
-          <a:bodyPr/>
-          <a:lstStyle/>
-          <a:p>
-            <a:r>
-              <a:rPr lang="en-US" dirty="0">
-                <a:cs typeface="Arial" pitchFamily="34" charset="0"/>
-              </a:rPr>
-              <a:t>View Results in Table</a:t>
-            </a:r>
-          </a:p>
-          <a:p>
-            <a:pPr lvl="1"/>
-            <a:r>
-              <a:rPr lang="en-US" sz="2800" dirty="0">
-                <a:cs typeface="Arial" pitchFamily="34" charset="0"/>
-              </a:rPr>
-              <a:t>Right click Add -&gt; Listener -&gt; View Result in Table</a:t>
-            </a:r>
-          </a:p>
-          <a:p>
-            <a:endParaRPr lang="en-US" sz="2800" dirty="0">
-              <a:cs typeface="Arial" pitchFamily="34" charset="0"/>
-            </a:endParaRPr>
-          </a:p>
-        </p:txBody>
-      </p:sp>
-      <p:pic>
-        <p:nvPicPr>
-          <p:cNvPr id="6" name="Picture 2" descr="http://cdn.guru99.com/images/AddViewResultTable.png"/>
-          <p:cNvPicPr>
-            <a:picLocks noChangeAspect="1" noChangeArrowheads="1"/>
-          </p:cNvPicPr>
-          <p:nvPr/>
-        </p:nvPicPr>
-        <p:blipFill rotWithShape="1">
-          <a:blip r:embed="rId2">
-            <a:extLst>
-              <a:ext uri="{28A0092B-C50C-407E-A947-70E740481C1C}">
-                <a14:useLocalDpi xmlns:a14="http://schemas.microsoft.com/office/drawing/2010/main" val="0"/>
-              </a:ext>
-            </a:extLst>
-          </a:blip>
-          <a:srcRect l="510" t="-268" r="613" b="6166"/>
-          <a:stretch/>
-        </p:blipFill>
-        <p:spPr bwMode="auto">
-          <a:xfrm>
-            <a:off x="51318" y="2957503"/>
-            <a:ext cx="9041363" cy="3275346"/>
-          </a:xfrm>
-          <a:prstGeom prst="rect">
-            <a:avLst/>
-          </a:prstGeom>
-          <a:noFill/>
-          <a:ln>
-            <a:noFill/>
-          </a:ln>
-          <a:effectLst>
-            <a:glow rad="101600">
-              <a:schemeClr val="tx1">
-                <a:alpha val="40000"/>
-              </a:schemeClr>
-            </a:glow>
-            <a:outerShdw dist="35921" dir="2700000" algn="ctr" rotWithShape="0">
-              <a:schemeClr val="bg2"/>
-            </a:outerShdw>
-          </a:effectLst>
-          <a:extLst>
-            <a:ext uri="{909E8E84-426E-40DD-AFC4-6F175D3DCCD1}">
-              <a14:hiddenFill xmlns:a14="http://schemas.microsoft.com/office/drawing/2010/main">
-                <a:solidFill>
-                  <a:srgbClr val="FFFFFF"/>
-                </a:solidFill>
-              </a14:hiddenFill>
-            </a:ext>
-          </a:extLst>
         </p:spPr>
       </p:pic>
     </p:spTree>
@@ -16995,7 +16640,7 @@
 </p:sld>
 </file>
 
-<file path=ppt/slides/slide38.xml><?xml version="1.0" encoding="utf-8"?>
+<file path=ppt/slides/slide37.xml><?xml version="1.0" encoding="utf-8"?>
 <p:sld xmlns:a="http://schemas.openxmlformats.org/drawingml/2006/main" xmlns:r="http://schemas.openxmlformats.org/officeDocument/2006/relationships" xmlns:p="http://schemas.openxmlformats.org/presentationml/2006/main">
   <p:cSld>
     <p:spTree>
@@ -17290,7 +16935,7 @@
 </p:sld>
 </file>
 
-<file path=ppt/slides/slide39.xml><?xml version="1.0" encoding="utf-8"?>
+<file path=ppt/slides/slide38.xml><?xml version="1.0" encoding="utf-8"?>
 <p:sld xmlns:a="http://schemas.openxmlformats.org/drawingml/2006/main" xmlns:r="http://schemas.openxmlformats.org/officeDocument/2006/relationships" xmlns:p="http://schemas.openxmlformats.org/presentationml/2006/main">
   <p:cSld>
     <p:spTree>
@@ -17587,6 +17232,318 @@
     <p:extLst>
       <p:ext uri="{BB962C8B-B14F-4D97-AF65-F5344CB8AC3E}">
         <p14:creationId xmlns:p14="http://schemas.microsoft.com/office/powerpoint/2010/main" val="4179907890"/>
+      </p:ext>
+    </p:extLst>
+  </p:cSld>
+  <p:clrMapOvr>
+    <a:masterClrMapping/>
+  </p:clrMapOvr>
+  <mc:AlternateContent xmlns:mc="http://schemas.openxmlformats.org/markup-compatibility/2006" xmlns:p14="http://schemas.microsoft.com/office/powerpoint/2010/main">
+    <mc:Choice Requires="p14">
+      <p:transition p14:dur="0"/>
+    </mc:Choice>
+    <mc:Fallback xmlns="">
+      <p:transition/>
+    </mc:Fallback>
+  </mc:AlternateContent>
+  <p:timing>
+    <p:tnLst>
+      <p:par>
+        <p:cTn id="1" dur="indefinite" restart="never" nodeType="tmRoot"/>
+      </p:par>
+    </p:tnLst>
+  </p:timing>
+</p:sld>
+</file>
+
+<file path=ppt/slides/slide39.xml><?xml version="1.0" encoding="utf-8"?>
+<p:sld xmlns:a="http://schemas.openxmlformats.org/drawingml/2006/main" xmlns:r="http://schemas.openxmlformats.org/officeDocument/2006/relationships" xmlns:p="http://schemas.openxmlformats.org/presentationml/2006/main">
+  <p:cSld>
+    <p:spTree>
+      <p:nvGrpSpPr>
+        <p:cNvPr id="1" name=""/>
+        <p:cNvGrpSpPr/>
+        <p:nvPr/>
+      </p:nvGrpSpPr>
+      <p:grpSpPr>
+        <a:xfrm>
+          <a:off x="0" y="0"/>
+          <a:ext cx="0" cy="0"/>
+          <a:chOff x="0" y="0"/>
+          <a:chExt cx="0" cy="0"/>
+        </a:xfrm>
+      </p:grpSpPr>
+      <p:sp>
+        <p:nvSpPr>
+          <p:cNvPr id="15" name="Rectangle 2"/>
+          <p:cNvSpPr txBox="1">
+            <a:spLocks noChangeArrowheads="1"/>
+          </p:cNvSpPr>
+          <p:nvPr/>
+        </p:nvSpPr>
+        <p:spPr>
+          <a:xfrm>
+            <a:off x="1828800" y="217714"/>
+            <a:ext cx="7086600" cy="914400"/>
+          </a:xfrm>
+          <a:prstGeom prst="rect">
+            <a:avLst/>
+          </a:prstGeom>
+        </p:spPr>
+        <p:txBody>
+          <a:bodyPr anchor="ctr" anchorCtr="0">
+            <a:noAutofit/>
+          </a:bodyPr>
+          <a:lstStyle>
+            <a:lvl1pPr algn="r" rtl="0" eaLnBrk="0" fontAlgn="base" hangingPunct="0">
+              <a:lnSpc>
+                <a:spcPts val="4000"/>
+              </a:lnSpc>
+              <a:spcBef>
+                <a:spcPct val="0"/>
+              </a:spcBef>
+              <a:spcAft>
+                <a:spcPct val="0"/>
+              </a:spcAft>
+              <a:defRPr lang="en-US" sz="4000" b="1" kern="1200" baseline="0" dirty="0">
+                <a:ln w="500">
+                  <a:noFill/>
+                </a:ln>
+                <a:solidFill>
+                  <a:schemeClr val="tx2"/>
+                </a:solidFill>
+                <a:effectLst>
+                  <a:outerShdw blurRad="38100" dist="38100" dir="2700000" algn="tl">
+                    <a:srgbClr val="000000">
+                      <a:alpha val="43137"/>
+                    </a:srgbClr>
+                  </a:outerShdw>
+                  <a:reflection blurRad="12700" stA="20000" endPos="50000" dist="12700" dir="5400000" sy="-100000" algn="bl" rotWithShape="0"/>
+                </a:effectLst>
+                <a:latin typeface="+mj-lt"/>
+                <a:ea typeface="+mj-ea"/>
+                <a:cs typeface="+mj-cs"/>
+              </a:defRPr>
+            </a:lvl1pPr>
+            <a:lvl2pPr algn="r" rtl="0" eaLnBrk="1" fontAlgn="base" hangingPunct="1">
+              <a:spcBef>
+                <a:spcPct val="0"/>
+              </a:spcBef>
+              <a:spcAft>
+                <a:spcPct val="0"/>
+              </a:spcAft>
+              <a:defRPr sz="3000" b="1">
+                <a:solidFill>
+                  <a:schemeClr val="tx2"/>
+                </a:solidFill>
+                <a:latin typeface="Corbel" pitchFamily="34" charset="0"/>
+              </a:defRPr>
+            </a:lvl2pPr>
+            <a:lvl3pPr algn="r" rtl="0" eaLnBrk="1" fontAlgn="base" hangingPunct="1">
+              <a:spcBef>
+                <a:spcPct val="0"/>
+              </a:spcBef>
+              <a:spcAft>
+                <a:spcPct val="0"/>
+              </a:spcAft>
+              <a:defRPr sz="3000" b="1">
+                <a:solidFill>
+                  <a:schemeClr val="tx2"/>
+                </a:solidFill>
+                <a:latin typeface="Corbel" pitchFamily="34" charset="0"/>
+              </a:defRPr>
+            </a:lvl3pPr>
+            <a:lvl4pPr algn="r" rtl="0" eaLnBrk="1" fontAlgn="base" hangingPunct="1">
+              <a:spcBef>
+                <a:spcPct val="0"/>
+              </a:spcBef>
+              <a:spcAft>
+                <a:spcPct val="0"/>
+              </a:spcAft>
+              <a:defRPr sz="3000" b="1">
+                <a:solidFill>
+                  <a:schemeClr val="tx2"/>
+                </a:solidFill>
+                <a:latin typeface="Corbel" pitchFamily="34" charset="0"/>
+              </a:defRPr>
+            </a:lvl4pPr>
+            <a:lvl5pPr algn="r" rtl="0" eaLnBrk="1" fontAlgn="base" hangingPunct="1">
+              <a:spcBef>
+                <a:spcPct val="0"/>
+              </a:spcBef>
+              <a:spcAft>
+                <a:spcPct val="0"/>
+              </a:spcAft>
+              <a:defRPr sz="3000" b="1">
+                <a:solidFill>
+                  <a:schemeClr val="tx2"/>
+                </a:solidFill>
+                <a:latin typeface="Corbel" pitchFamily="34" charset="0"/>
+              </a:defRPr>
+            </a:lvl5pPr>
+            <a:lvl6pPr marL="457200" algn="r" rtl="0" eaLnBrk="1" fontAlgn="base" hangingPunct="1">
+              <a:spcBef>
+                <a:spcPct val="0"/>
+              </a:spcBef>
+              <a:spcAft>
+                <a:spcPct val="0"/>
+              </a:spcAft>
+              <a:defRPr sz="3000" b="1">
+                <a:solidFill>
+                  <a:schemeClr val="tx2"/>
+                </a:solidFill>
+                <a:latin typeface="Corbel" pitchFamily="34" charset="0"/>
+              </a:defRPr>
+            </a:lvl6pPr>
+            <a:lvl7pPr marL="914400" algn="r" rtl="0" eaLnBrk="1" fontAlgn="base" hangingPunct="1">
+              <a:spcBef>
+                <a:spcPct val="0"/>
+              </a:spcBef>
+              <a:spcAft>
+                <a:spcPct val="0"/>
+              </a:spcAft>
+              <a:defRPr sz="3000" b="1">
+                <a:solidFill>
+                  <a:schemeClr val="tx2"/>
+                </a:solidFill>
+                <a:latin typeface="Corbel" pitchFamily="34" charset="0"/>
+              </a:defRPr>
+            </a:lvl7pPr>
+            <a:lvl8pPr marL="1371600" algn="r" rtl="0" eaLnBrk="1" fontAlgn="base" hangingPunct="1">
+              <a:spcBef>
+                <a:spcPct val="0"/>
+              </a:spcBef>
+              <a:spcAft>
+                <a:spcPct val="0"/>
+              </a:spcAft>
+              <a:defRPr sz="3000" b="1">
+                <a:solidFill>
+                  <a:schemeClr val="tx2"/>
+                </a:solidFill>
+                <a:latin typeface="Corbel" pitchFamily="34" charset="0"/>
+              </a:defRPr>
+            </a:lvl8pPr>
+            <a:lvl9pPr marL="1828800" algn="r" rtl="0" eaLnBrk="1" fontAlgn="base" hangingPunct="1">
+              <a:spcBef>
+                <a:spcPct val="0"/>
+              </a:spcBef>
+              <a:spcAft>
+                <a:spcPct val="0"/>
+              </a:spcAft>
+              <a:defRPr sz="3000" b="1">
+                <a:solidFill>
+                  <a:schemeClr val="tx2"/>
+                </a:solidFill>
+                <a:latin typeface="Corbel" pitchFamily="34" charset="0"/>
+              </a:defRPr>
+            </a:lvl9pPr>
+          </a:lstStyle>
+          <a:p>
+            <a:r>
+              <a:rPr lang="en-US" dirty="0" smtClean="0"/>
+              <a:t>JMeter</a:t>
+            </a:r>
+            <a:endParaRPr lang="en-US" dirty="0"/>
+          </a:p>
+        </p:txBody>
+      </p:sp>
+      <p:sp>
+        <p:nvSpPr>
+          <p:cNvPr id="19" name="Content Placeholder 2"/>
+          <p:cNvSpPr>
+            <a:spLocks noGrp="1"/>
+          </p:cNvSpPr>
+          <p:nvPr>
+            <p:ph idx="1"/>
+          </p:nvPr>
+        </p:nvSpPr>
+        <p:spPr>
+          <a:xfrm>
+            <a:off x="228600" y="981989"/>
+            <a:ext cx="8686800" cy="566592"/>
+          </a:xfrm>
+        </p:spPr>
+        <p:txBody>
+          <a:bodyPr/>
+          <a:lstStyle/>
+          <a:p>
+            <a:r>
+              <a:rPr lang="en-US" dirty="0">
+                <a:cs typeface="Arial" pitchFamily="34" charset="0"/>
+              </a:rPr>
+              <a:t>Loop Controller</a:t>
+            </a:r>
+          </a:p>
+          <a:p>
+            <a:pPr lvl="1"/>
+            <a:r>
+              <a:rPr lang="en-US" dirty="0"/>
+              <a:t>Loop Controller makes the user request run specified number of times or run forever as shown in figure</a:t>
+            </a:r>
+            <a:endParaRPr lang="en-US" dirty="0">
+              <a:cs typeface="Arial" pitchFamily="34" charset="0"/>
+            </a:endParaRPr>
+          </a:p>
+        </p:txBody>
+      </p:sp>
+      <p:pic>
+        <p:nvPicPr>
+          <p:cNvPr id="5" name="Picture 2" descr="http://cdn.guru99.com/images/LoopControllerJMeter.png"/>
+          <p:cNvPicPr>
+            <a:picLocks noChangeAspect="1" noChangeArrowheads="1"/>
+          </p:cNvPicPr>
+          <p:nvPr/>
+        </p:nvPicPr>
+        <p:blipFill>
+          <a:blip r:embed="rId2">
+            <a:extLst>
+              <a:ext uri="{28A0092B-C50C-407E-A947-70E740481C1C}">
+                <a14:useLocalDpi xmlns:a14="http://schemas.microsoft.com/office/drawing/2010/main" val="0"/>
+              </a:ext>
+            </a:extLst>
+          </a:blip>
+          <a:srcRect/>
+          <a:stretch>
+            <a:fillRect/>
+          </a:stretch>
+        </p:blipFill>
+        <p:spPr bwMode="auto">
+          <a:xfrm>
+            <a:off x="2362200" y="3200400"/>
+            <a:ext cx="3952875" cy="3505200"/>
+          </a:xfrm>
+          <a:prstGeom prst="rect">
+            <a:avLst/>
+          </a:prstGeom>
+          <a:noFill/>
+          <a:ln>
+            <a:noFill/>
+          </a:ln>
+          <a:effectLst>
+            <a:glow rad="101600">
+              <a:schemeClr val="tx1">
+                <a:alpha val="40000"/>
+              </a:schemeClr>
+            </a:glow>
+            <a:outerShdw dist="35921" dir="2700000" algn="ctr" rotWithShape="0">
+              <a:schemeClr val="bg2"/>
+            </a:outerShdw>
+          </a:effectLst>
+          <a:extLst>
+            <a:ext uri="{909E8E84-426E-40DD-AFC4-6F175D3DCCD1}">
+              <a14:hiddenFill xmlns:a14="http://schemas.microsoft.com/office/drawing/2010/main">
+                <a:solidFill>
+                  <a:srgbClr val="FFFFFF"/>
+                </a:solidFill>
+              </a14:hiddenFill>
+            </a:ext>
+          </a:extLst>
+        </p:spPr>
+      </p:pic>
+    </p:spTree>
+    <p:extLst>
+      <p:ext uri="{BB962C8B-B14F-4D97-AF65-F5344CB8AC3E}">
+        <p14:creationId xmlns:p14="http://schemas.microsoft.com/office/powerpoint/2010/main" val="1847556754"/>
       </p:ext>
     </p:extLst>
   </p:cSld>
@@ -17822,84 +17779,95 @@
           <a:bodyPr/>
           <a:lstStyle/>
           <a:p>
-            <a:pPr>
-              <a:lnSpc>
-                <a:spcPct val="100000"/>
-              </a:lnSpc>
-            </a:pPr>
             <a:r>
               <a:rPr lang="en-US" dirty="0"/>
               <a:t>Performance Testing</a:t>
             </a:r>
           </a:p>
           <a:p>
-            <a:pPr lvl="1">
-              <a:lnSpc>
-                <a:spcPct val="100000"/>
-              </a:lnSpc>
-            </a:pPr>
+            <a:pPr lvl="1"/>
             <a:r>
               <a:rPr lang="en-US" dirty="0"/>
-              <a:t>How fast is the system?</a:t>
-            </a:r>
-          </a:p>
-          <a:p>
-            <a:pPr>
-              <a:lnSpc>
-                <a:spcPct val="100000"/>
-              </a:lnSpc>
-            </a:pPr>
+              <a:t>How </a:t>
+            </a:r>
+            <a:r>
+              <a:rPr lang="en-US" dirty="0">
+                <a:solidFill>
+                  <a:schemeClr val="accent5">
+                    <a:lumMod val="20000"/>
+                    <a:lumOff val="80000"/>
+                  </a:schemeClr>
+                </a:solidFill>
+              </a:rPr>
+              <a:t>fast</a:t>
+            </a:r>
+            <a:r>
+              <a:rPr lang="en-US" dirty="0"/>
+              <a:t> is the system?</a:t>
+            </a:r>
+          </a:p>
+          <a:p>
             <a:r>
               <a:rPr lang="en-US" dirty="0"/>
               <a:t>Load Testing</a:t>
             </a:r>
           </a:p>
           <a:p>
-            <a:pPr lvl="1">
-              <a:lnSpc>
-                <a:spcPct val="100000"/>
-              </a:lnSpc>
-            </a:pPr>
+            <a:pPr lvl="1"/>
             <a:r>
               <a:rPr lang="en-US" dirty="0"/>
-              <a:t>How much load can the system process?</a:t>
-            </a:r>
-          </a:p>
-          <a:p>
-            <a:pPr>
-              <a:lnSpc>
-                <a:spcPct val="100000"/>
-              </a:lnSpc>
-            </a:pPr>
+              <a:t>How much </a:t>
+            </a:r>
+            <a:r>
+              <a:rPr lang="en-US" dirty="0">
+                <a:solidFill>
+                  <a:schemeClr val="accent5">
+                    <a:lumMod val="20000"/>
+                    <a:lumOff val="80000"/>
+                  </a:schemeClr>
+                </a:solidFill>
+              </a:rPr>
+              <a:t>load </a:t>
+            </a:r>
+            <a:r>
+              <a:rPr lang="en-US" dirty="0"/>
+              <a:t>can the system process?</a:t>
+            </a:r>
+          </a:p>
+          <a:p>
             <a:r>
               <a:rPr lang="en-US" dirty="0"/>
               <a:t>Stress testing</a:t>
             </a:r>
           </a:p>
           <a:p>
-            <a:pPr lvl="1">
-              <a:lnSpc>
-                <a:spcPct val="100000"/>
-              </a:lnSpc>
-            </a:pPr>
+            <a:pPr lvl="1"/>
             <a:r>
               <a:rPr lang="en-US" dirty="0"/>
               <a:t>Testing with conditions beyond the normally expected ones</a:t>
             </a:r>
           </a:p>
           <a:p>
-            <a:pPr lvl="1">
-              <a:lnSpc>
-                <a:spcPct val="100000"/>
-              </a:lnSpc>
-            </a:pPr>
+            <a:pPr lvl="1"/>
             <a:r>
               <a:rPr lang="en-US" dirty="0"/>
-              <a:t>Under what conditions the system will fail?</a:t>
-            </a:r>
-            <a:endParaRPr lang="en-US" dirty="0">
-              <a:cs typeface="Arial" pitchFamily="34" charset="0"/>
-            </a:endParaRPr>
+              <a:t>Under what conditions the system will </a:t>
+            </a:r>
+            <a:r>
+              <a:rPr lang="en-US" dirty="0">
+                <a:solidFill>
+                  <a:schemeClr val="accent5">
+                    <a:lumMod val="20000"/>
+                    <a:lumOff val="80000"/>
+                  </a:schemeClr>
+                </a:solidFill>
+              </a:rPr>
+              <a:t>fail</a:t>
+            </a:r>
+            <a:r>
+              <a:rPr lang="en-US" dirty="0"/>
+              <a:t>?</a:t>
+            </a:r>
           </a:p>
         </p:txBody>
       </p:sp>
@@ -18146,14 +18114,14 @@
               <a:rPr lang="en-US" dirty="0">
                 <a:cs typeface="Arial" pitchFamily="34" charset="0"/>
               </a:rPr>
-              <a:t>Loop Controller</a:t>
+              <a:t>Random Controller</a:t>
             </a:r>
           </a:p>
           <a:p>
             <a:pPr lvl="1"/>
             <a:r>
               <a:rPr lang="en-US" dirty="0"/>
-              <a:t>Loop Controller makes the user request run specified number of times or run forever as shown in figure</a:t>
+              <a:t>Random Controller makes all the user requests run in random order in each loop period</a:t>
             </a:r>
             <a:endParaRPr lang="en-US" dirty="0">
               <a:cs typeface="Arial" pitchFamily="34" charset="0"/>
@@ -18163,7 +18131,7 @@
       </p:sp>
       <p:pic>
         <p:nvPicPr>
-          <p:cNvPr id="5" name="Picture 2" descr="http://cdn.guru99.com/images/LoopControllerJMeter.png"/>
+          <p:cNvPr id="6" name="Picture 2" descr="http://cdn.guru99.com/images/SequentialVSRandomController.png"/>
           <p:cNvPicPr>
             <a:picLocks noChangeAspect="1" noChangeArrowheads="1"/>
           </p:cNvPicPr>
@@ -18184,8 +18152,8 @@
         </p:blipFill>
         <p:spPr bwMode="auto">
           <a:xfrm>
-            <a:off x="2362200" y="3200400"/>
-            <a:ext cx="3952875" cy="3505200"/>
+            <a:off x="10248" y="3097161"/>
+            <a:ext cx="9133752" cy="3710586"/>
           </a:xfrm>
           <a:prstGeom prst="rect">
             <a:avLst/>
@@ -18218,7 +18186,7 @@
     </p:spTree>
     <p:extLst>
       <p:ext uri="{BB962C8B-B14F-4D97-AF65-F5344CB8AC3E}">
-        <p14:creationId xmlns:p14="http://schemas.microsoft.com/office/powerpoint/2010/main" val="1847556754"/>
+        <p14:creationId xmlns:p14="http://schemas.microsoft.com/office/powerpoint/2010/main" val="2415278551"/>
       </p:ext>
     </p:extLst>
   </p:cSld>
@@ -18458,318 +18426,6 @@
               <a:rPr lang="en-US" dirty="0">
                 <a:cs typeface="Arial" pitchFamily="34" charset="0"/>
               </a:rPr>
-              <a:t>Random Controller</a:t>
-            </a:r>
-          </a:p>
-          <a:p>
-            <a:pPr lvl="1"/>
-            <a:r>
-              <a:rPr lang="en-US" dirty="0"/>
-              <a:t>Random Controller makes all the user requests run in random order in each loop period</a:t>
-            </a:r>
-            <a:endParaRPr lang="en-US" dirty="0">
-              <a:cs typeface="Arial" pitchFamily="34" charset="0"/>
-            </a:endParaRPr>
-          </a:p>
-        </p:txBody>
-      </p:sp>
-      <p:pic>
-        <p:nvPicPr>
-          <p:cNvPr id="6" name="Picture 2" descr="http://cdn.guru99.com/images/SequentialVSRandomController.png"/>
-          <p:cNvPicPr>
-            <a:picLocks noChangeAspect="1" noChangeArrowheads="1"/>
-          </p:cNvPicPr>
-          <p:nvPr/>
-        </p:nvPicPr>
-        <p:blipFill>
-          <a:blip r:embed="rId2">
-            <a:extLst>
-              <a:ext uri="{28A0092B-C50C-407E-A947-70E740481C1C}">
-                <a14:useLocalDpi xmlns:a14="http://schemas.microsoft.com/office/drawing/2010/main" val="0"/>
-              </a:ext>
-            </a:extLst>
-          </a:blip>
-          <a:srcRect/>
-          <a:stretch>
-            <a:fillRect/>
-          </a:stretch>
-        </p:blipFill>
-        <p:spPr bwMode="auto">
-          <a:xfrm>
-            <a:off x="10248" y="3097161"/>
-            <a:ext cx="9133752" cy="3710586"/>
-          </a:xfrm>
-          <a:prstGeom prst="rect">
-            <a:avLst/>
-          </a:prstGeom>
-          <a:noFill/>
-          <a:ln>
-            <a:noFill/>
-          </a:ln>
-          <a:effectLst>
-            <a:glow rad="101600">
-              <a:schemeClr val="tx1">
-                <a:alpha val="40000"/>
-              </a:schemeClr>
-            </a:glow>
-            <a:outerShdw dist="35921" dir="2700000" algn="ctr" rotWithShape="0">
-              <a:schemeClr val="bg2"/>
-            </a:outerShdw>
-          </a:effectLst>
-          <a:extLst>
-            <a:ext uri="{909E8E84-426E-40DD-AFC4-6F175D3DCCD1}">
-              <a14:hiddenFill xmlns:a14="http://schemas.microsoft.com/office/drawing/2010/main">
-                <a:solidFill>
-                  <a:srgbClr val="FFFFFF"/>
-                </a:solidFill>
-              </a14:hiddenFill>
-            </a:ext>
-          </a:extLst>
-        </p:spPr>
-      </p:pic>
-    </p:spTree>
-    <p:extLst>
-      <p:ext uri="{BB962C8B-B14F-4D97-AF65-F5344CB8AC3E}">
-        <p14:creationId xmlns:p14="http://schemas.microsoft.com/office/powerpoint/2010/main" val="2415278551"/>
-      </p:ext>
-    </p:extLst>
-  </p:cSld>
-  <p:clrMapOvr>
-    <a:masterClrMapping/>
-  </p:clrMapOvr>
-  <mc:AlternateContent xmlns:mc="http://schemas.openxmlformats.org/markup-compatibility/2006" xmlns:p14="http://schemas.microsoft.com/office/powerpoint/2010/main">
-    <mc:Choice Requires="p14">
-      <p:transition p14:dur="0"/>
-    </mc:Choice>
-    <mc:Fallback xmlns="">
-      <p:transition/>
-    </mc:Fallback>
-  </mc:AlternateContent>
-  <p:timing>
-    <p:tnLst>
-      <p:par>
-        <p:cTn id="1" dur="indefinite" restart="never" nodeType="tmRoot"/>
-      </p:par>
-    </p:tnLst>
-  </p:timing>
-</p:sld>
-</file>
-
-<file path=ppt/slides/slide42.xml><?xml version="1.0" encoding="utf-8"?>
-<p:sld xmlns:a="http://schemas.openxmlformats.org/drawingml/2006/main" xmlns:r="http://schemas.openxmlformats.org/officeDocument/2006/relationships" xmlns:p="http://schemas.openxmlformats.org/presentationml/2006/main">
-  <p:cSld>
-    <p:spTree>
-      <p:nvGrpSpPr>
-        <p:cNvPr id="1" name=""/>
-        <p:cNvGrpSpPr/>
-        <p:nvPr/>
-      </p:nvGrpSpPr>
-      <p:grpSpPr>
-        <a:xfrm>
-          <a:off x="0" y="0"/>
-          <a:ext cx="0" cy="0"/>
-          <a:chOff x="0" y="0"/>
-          <a:chExt cx="0" cy="0"/>
-        </a:xfrm>
-      </p:grpSpPr>
-      <p:sp>
-        <p:nvSpPr>
-          <p:cNvPr id="15" name="Rectangle 2"/>
-          <p:cNvSpPr txBox="1">
-            <a:spLocks noChangeArrowheads="1"/>
-          </p:cNvSpPr>
-          <p:nvPr/>
-        </p:nvSpPr>
-        <p:spPr>
-          <a:xfrm>
-            <a:off x="1828800" y="217714"/>
-            <a:ext cx="7086600" cy="914400"/>
-          </a:xfrm>
-          <a:prstGeom prst="rect">
-            <a:avLst/>
-          </a:prstGeom>
-        </p:spPr>
-        <p:txBody>
-          <a:bodyPr anchor="ctr" anchorCtr="0">
-            <a:noAutofit/>
-          </a:bodyPr>
-          <a:lstStyle>
-            <a:lvl1pPr algn="r" rtl="0" eaLnBrk="0" fontAlgn="base" hangingPunct="0">
-              <a:lnSpc>
-                <a:spcPts val="4000"/>
-              </a:lnSpc>
-              <a:spcBef>
-                <a:spcPct val="0"/>
-              </a:spcBef>
-              <a:spcAft>
-                <a:spcPct val="0"/>
-              </a:spcAft>
-              <a:defRPr lang="en-US" sz="4000" b="1" kern="1200" baseline="0" dirty="0">
-                <a:ln w="500">
-                  <a:noFill/>
-                </a:ln>
-                <a:solidFill>
-                  <a:schemeClr val="tx2"/>
-                </a:solidFill>
-                <a:effectLst>
-                  <a:outerShdw blurRad="38100" dist="38100" dir="2700000" algn="tl">
-                    <a:srgbClr val="000000">
-                      <a:alpha val="43137"/>
-                    </a:srgbClr>
-                  </a:outerShdw>
-                  <a:reflection blurRad="12700" stA="20000" endPos="50000" dist="12700" dir="5400000" sy="-100000" algn="bl" rotWithShape="0"/>
-                </a:effectLst>
-                <a:latin typeface="+mj-lt"/>
-                <a:ea typeface="+mj-ea"/>
-                <a:cs typeface="+mj-cs"/>
-              </a:defRPr>
-            </a:lvl1pPr>
-            <a:lvl2pPr algn="r" rtl="0" eaLnBrk="1" fontAlgn="base" hangingPunct="1">
-              <a:spcBef>
-                <a:spcPct val="0"/>
-              </a:spcBef>
-              <a:spcAft>
-                <a:spcPct val="0"/>
-              </a:spcAft>
-              <a:defRPr sz="3000" b="1">
-                <a:solidFill>
-                  <a:schemeClr val="tx2"/>
-                </a:solidFill>
-                <a:latin typeface="Corbel" pitchFamily="34" charset="0"/>
-              </a:defRPr>
-            </a:lvl2pPr>
-            <a:lvl3pPr algn="r" rtl="0" eaLnBrk="1" fontAlgn="base" hangingPunct="1">
-              <a:spcBef>
-                <a:spcPct val="0"/>
-              </a:spcBef>
-              <a:spcAft>
-                <a:spcPct val="0"/>
-              </a:spcAft>
-              <a:defRPr sz="3000" b="1">
-                <a:solidFill>
-                  <a:schemeClr val="tx2"/>
-                </a:solidFill>
-                <a:latin typeface="Corbel" pitchFamily="34" charset="0"/>
-              </a:defRPr>
-            </a:lvl3pPr>
-            <a:lvl4pPr algn="r" rtl="0" eaLnBrk="1" fontAlgn="base" hangingPunct="1">
-              <a:spcBef>
-                <a:spcPct val="0"/>
-              </a:spcBef>
-              <a:spcAft>
-                <a:spcPct val="0"/>
-              </a:spcAft>
-              <a:defRPr sz="3000" b="1">
-                <a:solidFill>
-                  <a:schemeClr val="tx2"/>
-                </a:solidFill>
-                <a:latin typeface="Corbel" pitchFamily="34" charset="0"/>
-              </a:defRPr>
-            </a:lvl4pPr>
-            <a:lvl5pPr algn="r" rtl="0" eaLnBrk="1" fontAlgn="base" hangingPunct="1">
-              <a:spcBef>
-                <a:spcPct val="0"/>
-              </a:spcBef>
-              <a:spcAft>
-                <a:spcPct val="0"/>
-              </a:spcAft>
-              <a:defRPr sz="3000" b="1">
-                <a:solidFill>
-                  <a:schemeClr val="tx2"/>
-                </a:solidFill>
-                <a:latin typeface="Corbel" pitchFamily="34" charset="0"/>
-              </a:defRPr>
-            </a:lvl5pPr>
-            <a:lvl6pPr marL="457200" algn="r" rtl="0" eaLnBrk="1" fontAlgn="base" hangingPunct="1">
-              <a:spcBef>
-                <a:spcPct val="0"/>
-              </a:spcBef>
-              <a:spcAft>
-                <a:spcPct val="0"/>
-              </a:spcAft>
-              <a:defRPr sz="3000" b="1">
-                <a:solidFill>
-                  <a:schemeClr val="tx2"/>
-                </a:solidFill>
-                <a:latin typeface="Corbel" pitchFamily="34" charset="0"/>
-              </a:defRPr>
-            </a:lvl6pPr>
-            <a:lvl7pPr marL="914400" algn="r" rtl="0" eaLnBrk="1" fontAlgn="base" hangingPunct="1">
-              <a:spcBef>
-                <a:spcPct val="0"/>
-              </a:spcBef>
-              <a:spcAft>
-                <a:spcPct val="0"/>
-              </a:spcAft>
-              <a:defRPr sz="3000" b="1">
-                <a:solidFill>
-                  <a:schemeClr val="tx2"/>
-                </a:solidFill>
-                <a:latin typeface="Corbel" pitchFamily="34" charset="0"/>
-              </a:defRPr>
-            </a:lvl7pPr>
-            <a:lvl8pPr marL="1371600" algn="r" rtl="0" eaLnBrk="1" fontAlgn="base" hangingPunct="1">
-              <a:spcBef>
-                <a:spcPct val="0"/>
-              </a:spcBef>
-              <a:spcAft>
-                <a:spcPct val="0"/>
-              </a:spcAft>
-              <a:defRPr sz="3000" b="1">
-                <a:solidFill>
-                  <a:schemeClr val="tx2"/>
-                </a:solidFill>
-                <a:latin typeface="Corbel" pitchFamily="34" charset="0"/>
-              </a:defRPr>
-            </a:lvl8pPr>
-            <a:lvl9pPr marL="1828800" algn="r" rtl="0" eaLnBrk="1" fontAlgn="base" hangingPunct="1">
-              <a:spcBef>
-                <a:spcPct val="0"/>
-              </a:spcBef>
-              <a:spcAft>
-                <a:spcPct val="0"/>
-              </a:spcAft>
-              <a:defRPr sz="3000" b="1">
-                <a:solidFill>
-                  <a:schemeClr val="tx2"/>
-                </a:solidFill>
-                <a:latin typeface="Corbel" pitchFamily="34" charset="0"/>
-              </a:defRPr>
-            </a:lvl9pPr>
-          </a:lstStyle>
-          <a:p>
-            <a:r>
-              <a:rPr lang="en-US" dirty="0" smtClean="0"/>
-              <a:t>JMeter</a:t>
-            </a:r>
-            <a:endParaRPr lang="en-US" dirty="0"/>
-          </a:p>
-        </p:txBody>
-      </p:sp>
-      <p:sp>
-        <p:nvSpPr>
-          <p:cNvPr id="19" name="Content Placeholder 2"/>
-          <p:cNvSpPr>
-            <a:spLocks noGrp="1"/>
-          </p:cNvSpPr>
-          <p:nvPr>
-            <p:ph idx="1"/>
-          </p:nvPr>
-        </p:nvSpPr>
-        <p:spPr>
-          <a:xfrm>
-            <a:off x="228600" y="981989"/>
-            <a:ext cx="8686800" cy="566592"/>
-          </a:xfrm>
-        </p:spPr>
-        <p:txBody>
-          <a:bodyPr/>
-          <a:lstStyle/>
-          <a:p>
-            <a:r>
-              <a:rPr lang="en-US" dirty="0">
-                <a:cs typeface="Arial" pitchFamily="34" charset="0"/>
-              </a:rPr>
               <a:t>Module Controller</a:t>
             </a:r>
           </a:p>
@@ -18882,7 +18538,7 @@
 </p:sld>
 </file>
 
-<file path=ppt/slides/slide43.xml><?xml version="1.0" encoding="utf-8"?>
+<file path=ppt/slides/slide42.xml><?xml version="1.0" encoding="utf-8"?>
 <p:sld xmlns:a="http://schemas.openxmlformats.org/drawingml/2006/main" xmlns:r="http://schemas.openxmlformats.org/officeDocument/2006/relationships" xmlns:p="http://schemas.openxmlformats.org/presentationml/2006/main">
   <p:cSld>
     <p:spTree>
@@ -19177,6 +18833,296 @@
 </p:sld>
 </file>
 
+<file path=ppt/slides/slide43.xml><?xml version="1.0" encoding="utf-8"?>
+<p:sld xmlns:a="http://schemas.openxmlformats.org/drawingml/2006/main" xmlns:r="http://schemas.openxmlformats.org/officeDocument/2006/relationships" xmlns:p="http://schemas.openxmlformats.org/presentationml/2006/main">
+  <p:cSld>
+    <p:spTree>
+      <p:nvGrpSpPr>
+        <p:cNvPr id="1" name=""/>
+        <p:cNvGrpSpPr/>
+        <p:nvPr/>
+      </p:nvGrpSpPr>
+      <p:grpSpPr>
+        <a:xfrm>
+          <a:off x="0" y="0"/>
+          <a:ext cx="0" cy="0"/>
+          <a:chOff x="0" y="0"/>
+          <a:chExt cx="0" cy="0"/>
+        </a:xfrm>
+      </p:grpSpPr>
+      <p:sp>
+        <p:nvSpPr>
+          <p:cNvPr id="15" name="Rectangle 2"/>
+          <p:cNvSpPr txBox="1">
+            <a:spLocks noChangeArrowheads="1"/>
+          </p:cNvSpPr>
+          <p:nvPr/>
+        </p:nvSpPr>
+        <p:spPr>
+          <a:xfrm>
+            <a:off x="1828800" y="217714"/>
+            <a:ext cx="7086600" cy="914400"/>
+          </a:xfrm>
+          <a:prstGeom prst="rect">
+            <a:avLst/>
+          </a:prstGeom>
+        </p:spPr>
+        <p:txBody>
+          <a:bodyPr anchor="ctr" anchorCtr="0">
+            <a:noAutofit/>
+          </a:bodyPr>
+          <a:lstStyle>
+            <a:lvl1pPr algn="r" rtl="0" eaLnBrk="0" fontAlgn="base" hangingPunct="0">
+              <a:lnSpc>
+                <a:spcPts val="4000"/>
+              </a:lnSpc>
+              <a:spcBef>
+                <a:spcPct val="0"/>
+              </a:spcBef>
+              <a:spcAft>
+                <a:spcPct val="0"/>
+              </a:spcAft>
+              <a:defRPr lang="en-US" sz="4000" b="1" kern="1200" baseline="0" dirty="0">
+                <a:ln w="500">
+                  <a:noFill/>
+                </a:ln>
+                <a:solidFill>
+                  <a:schemeClr val="tx2"/>
+                </a:solidFill>
+                <a:effectLst>
+                  <a:outerShdw blurRad="38100" dist="38100" dir="2700000" algn="tl">
+                    <a:srgbClr val="000000">
+                      <a:alpha val="43137"/>
+                    </a:srgbClr>
+                  </a:outerShdw>
+                  <a:reflection blurRad="12700" stA="20000" endPos="50000" dist="12700" dir="5400000" sy="-100000" algn="bl" rotWithShape="0"/>
+                </a:effectLst>
+                <a:latin typeface="+mj-lt"/>
+                <a:ea typeface="+mj-ea"/>
+                <a:cs typeface="+mj-cs"/>
+              </a:defRPr>
+            </a:lvl1pPr>
+            <a:lvl2pPr algn="r" rtl="0" eaLnBrk="1" fontAlgn="base" hangingPunct="1">
+              <a:spcBef>
+                <a:spcPct val="0"/>
+              </a:spcBef>
+              <a:spcAft>
+                <a:spcPct val="0"/>
+              </a:spcAft>
+              <a:defRPr sz="3000" b="1">
+                <a:solidFill>
+                  <a:schemeClr val="tx2"/>
+                </a:solidFill>
+                <a:latin typeface="Corbel" pitchFamily="34" charset="0"/>
+              </a:defRPr>
+            </a:lvl2pPr>
+            <a:lvl3pPr algn="r" rtl="0" eaLnBrk="1" fontAlgn="base" hangingPunct="1">
+              <a:spcBef>
+                <a:spcPct val="0"/>
+              </a:spcBef>
+              <a:spcAft>
+                <a:spcPct val="0"/>
+              </a:spcAft>
+              <a:defRPr sz="3000" b="1">
+                <a:solidFill>
+                  <a:schemeClr val="tx2"/>
+                </a:solidFill>
+                <a:latin typeface="Corbel" pitchFamily="34" charset="0"/>
+              </a:defRPr>
+            </a:lvl3pPr>
+            <a:lvl4pPr algn="r" rtl="0" eaLnBrk="1" fontAlgn="base" hangingPunct="1">
+              <a:spcBef>
+                <a:spcPct val="0"/>
+              </a:spcBef>
+              <a:spcAft>
+                <a:spcPct val="0"/>
+              </a:spcAft>
+              <a:defRPr sz="3000" b="1">
+                <a:solidFill>
+                  <a:schemeClr val="tx2"/>
+                </a:solidFill>
+                <a:latin typeface="Corbel" pitchFamily="34" charset="0"/>
+              </a:defRPr>
+            </a:lvl4pPr>
+            <a:lvl5pPr algn="r" rtl="0" eaLnBrk="1" fontAlgn="base" hangingPunct="1">
+              <a:spcBef>
+                <a:spcPct val="0"/>
+              </a:spcBef>
+              <a:spcAft>
+                <a:spcPct val="0"/>
+              </a:spcAft>
+              <a:defRPr sz="3000" b="1">
+                <a:solidFill>
+                  <a:schemeClr val="tx2"/>
+                </a:solidFill>
+                <a:latin typeface="Corbel" pitchFamily="34" charset="0"/>
+              </a:defRPr>
+            </a:lvl5pPr>
+            <a:lvl6pPr marL="457200" algn="r" rtl="0" eaLnBrk="1" fontAlgn="base" hangingPunct="1">
+              <a:spcBef>
+                <a:spcPct val="0"/>
+              </a:spcBef>
+              <a:spcAft>
+                <a:spcPct val="0"/>
+              </a:spcAft>
+              <a:defRPr sz="3000" b="1">
+                <a:solidFill>
+                  <a:schemeClr val="tx2"/>
+                </a:solidFill>
+                <a:latin typeface="Corbel" pitchFamily="34" charset="0"/>
+              </a:defRPr>
+            </a:lvl6pPr>
+            <a:lvl7pPr marL="914400" algn="r" rtl="0" eaLnBrk="1" fontAlgn="base" hangingPunct="1">
+              <a:spcBef>
+                <a:spcPct val="0"/>
+              </a:spcBef>
+              <a:spcAft>
+                <a:spcPct val="0"/>
+              </a:spcAft>
+              <a:defRPr sz="3000" b="1">
+                <a:solidFill>
+                  <a:schemeClr val="tx2"/>
+                </a:solidFill>
+                <a:latin typeface="Corbel" pitchFamily="34" charset="0"/>
+              </a:defRPr>
+            </a:lvl7pPr>
+            <a:lvl8pPr marL="1371600" algn="r" rtl="0" eaLnBrk="1" fontAlgn="base" hangingPunct="1">
+              <a:spcBef>
+                <a:spcPct val="0"/>
+              </a:spcBef>
+              <a:spcAft>
+                <a:spcPct val="0"/>
+              </a:spcAft>
+              <a:defRPr sz="3000" b="1">
+                <a:solidFill>
+                  <a:schemeClr val="tx2"/>
+                </a:solidFill>
+                <a:latin typeface="Corbel" pitchFamily="34" charset="0"/>
+              </a:defRPr>
+            </a:lvl8pPr>
+            <a:lvl9pPr marL="1828800" algn="r" rtl="0" eaLnBrk="1" fontAlgn="base" hangingPunct="1">
+              <a:spcBef>
+                <a:spcPct val="0"/>
+              </a:spcBef>
+              <a:spcAft>
+                <a:spcPct val="0"/>
+              </a:spcAft>
+              <a:defRPr sz="3000" b="1">
+                <a:solidFill>
+                  <a:schemeClr val="tx2"/>
+                </a:solidFill>
+                <a:latin typeface="Corbel" pitchFamily="34" charset="0"/>
+              </a:defRPr>
+            </a:lvl9pPr>
+          </a:lstStyle>
+          <a:p>
+            <a:r>
+              <a:rPr lang="en-US" dirty="0" smtClean="0"/>
+              <a:t>JMeter</a:t>
+            </a:r>
+            <a:endParaRPr lang="en-US" dirty="0"/>
+          </a:p>
+        </p:txBody>
+      </p:sp>
+      <p:sp>
+        <p:nvSpPr>
+          <p:cNvPr id="19" name="Content Placeholder 2"/>
+          <p:cNvSpPr>
+            <a:spLocks noGrp="1"/>
+          </p:cNvSpPr>
+          <p:nvPr>
+            <p:ph idx="1"/>
+          </p:nvPr>
+        </p:nvSpPr>
+        <p:spPr>
+          <a:xfrm>
+            <a:off x="228600" y="981989"/>
+            <a:ext cx="8686800" cy="566592"/>
+          </a:xfrm>
+        </p:spPr>
+        <p:txBody>
+          <a:bodyPr/>
+          <a:lstStyle/>
+          <a:p>
+            <a:r>
+              <a:rPr lang="en-US" dirty="0">
+                <a:cs typeface="Arial" pitchFamily="34" charset="0"/>
+              </a:rPr>
+              <a:t>Plugins</a:t>
+            </a:r>
+          </a:p>
+          <a:p>
+            <a:pPr lvl="1"/>
+            <a:r>
+              <a:rPr lang="en-US" dirty="0">
+                <a:cs typeface="Arial" pitchFamily="34" charset="0"/>
+                <a:hlinkClick r:id="rId2"/>
+              </a:rPr>
+              <a:t>JMeter Plugins</a:t>
+            </a:r>
+            <a:endParaRPr lang="en-US" dirty="0">
+              <a:cs typeface="Arial" pitchFamily="34" charset="0"/>
+            </a:endParaRPr>
+          </a:p>
+          <a:p>
+            <a:pPr lvl="1"/>
+            <a:r>
+              <a:rPr lang="en-US" dirty="0" err="1">
+                <a:hlinkClick r:id="rId3"/>
+              </a:rPr>
+              <a:t>PerfMon</a:t>
+            </a:r>
+            <a:r>
+              <a:rPr lang="en-US" dirty="0">
+                <a:hlinkClick r:id="rId3"/>
+              </a:rPr>
+              <a:t> Metrics Collector</a:t>
+            </a:r>
+            <a:r>
+              <a:rPr lang="en-US" dirty="0"/>
+              <a:t> and </a:t>
+            </a:r>
+            <a:r>
+              <a:rPr lang="en-US" dirty="0">
+                <a:hlinkClick r:id="rId4"/>
+              </a:rPr>
+              <a:t>Server Agent</a:t>
+            </a:r>
+            <a:r>
+              <a:rPr lang="en-US" dirty="0"/>
+              <a:t> can be used for automated monitoring of servers during load/stress test</a:t>
+            </a:r>
+          </a:p>
+        </p:txBody>
+      </p:sp>
+    </p:spTree>
+    <p:extLst>
+      <p:ext uri="{BB962C8B-B14F-4D97-AF65-F5344CB8AC3E}">
+        <p14:creationId xmlns:p14="http://schemas.microsoft.com/office/powerpoint/2010/main" val="3197376354"/>
+      </p:ext>
+    </p:extLst>
+  </p:cSld>
+  <p:clrMapOvr>
+    <a:masterClrMapping/>
+  </p:clrMapOvr>
+  <mc:AlternateContent xmlns:mc="http://schemas.openxmlformats.org/markup-compatibility/2006" xmlns:p14="http://schemas.microsoft.com/office/powerpoint/2010/main">
+    <mc:Choice Requires="p14">
+      <p:transition p14:dur="0"/>
+    </mc:Choice>
+    <mc:Fallback xmlns="">
+      <p:transition/>
+    </mc:Fallback>
+  </mc:AlternateContent>
+  <p:timing>
+    <p:tnLst>
+      <p:par>
+        <p:cTn id="1" dur="indefinite" restart="never" nodeType="tmRoot"/>
+      </p:par>
+    </p:tnLst>
+  </p:timing>
+</p:sld>
+</file>
+
 <file path=ppt/slides/slide44.xml><?xml version="1.0" encoding="utf-8"?>
 <p:sld xmlns:a="http://schemas.openxmlformats.org/drawingml/2006/main" xmlns:r="http://schemas.openxmlformats.org/officeDocument/2006/relationships" xmlns:p="http://schemas.openxmlformats.org/presentationml/2006/main">
   <p:cSld>
@@ -19392,296 +19338,6 @@
               <a:rPr lang="en-US" dirty="0">
                 <a:cs typeface="Arial" pitchFamily="34" charset="0"/>
               </a:rPr>
-              <a:t>Plugins</a:t>
-            </a:r>
-          </a:p>
-          <a:p>
-            <a:pPr lvl="1"/>
-            <a:r>
-              <a:rPr lang="en-US" dirty="0">
-                <a:cs typeface="Arial" pitchFamily="34" charset="0"/>
-                <a:hlinkClick r:id="rId2"/>
-              </a:rPr>
-              <a:t>JMeter Plugins</a:t>
-            </a:r>
-            <a:endParaRPr lang="en-US" dirty="0">
-              <a:cs typeface="Arial" pitchFamily="34" charset="0"/>
-            </a:endParaRPr>
-          </a:p>
-          <a:p>
-            <a:pPr lvl="1"/>
-            <a:r>
-              <a:rPr lang="en-US" dirty="0" err="1">
-                <a:hlinkClick r:id="rId3"/>
-              </a:rPr>
-              <a:t>PerfMon</a:t>
-            </a:r>
-            <a:r>
-              <a:rPr lang="en-US" dirty="0">
-                <a:hlinkClick r:id="rId3"/>
-              </a:rPr>
-              <a:t> Metrics Collector</a:t>
-            </a:r>
-            <a:r>
-              <a:rPr lang="en-US" dirty="0"/>
-              <a:t> and </a:t>
-            </a:r>
-            <a:r>
-              <a:rPr lang="en-US" dirty="0">
-                <a:hlinkClick r:id="rId4"/>
-              </a:rPr>
-              <a:t>Server Agent</a:t>
-            </a:r>
-            <a:r>
-              <a:rPr lang="en-US" dirty="0"/>
-              <a:t> can be used for automated monitoring of servers during load/stress test</a:t>
-            </a:r>
-          </a:p>
-        </p:txBody>
-      </p:sp>
-    </p:spTree>
-    <p:extLst>
-      <p:ext uri="{BB962C8B-B14F-4D97-AF65-F5344CB8AC3E}">
-        <p14:creationId xmlns:p14="http://schemas.microsoft.com/office/powerpoint/2010/main" val="3197376354"/>
-      </p:ext>
-    </p:extLst>
-  </p:cSld>
-  <p:clrMapOvr>
-    <a:masterClrMapping/>
-  </p:clrMapOvr>
-  <mc:AlternateContent xmlns:mc="http://schemas.openxmlformats.org/markup-compatibility/2006" xmlns:p14="http://schemas.microsoft.com/office/powerpoint/2010/main">
-    <mc:Choice Requires="p14">
-      <p:transition p14:dur="0"/>
-    </mc:Choice>
-    <mc:Fallback xmlns="">
-      <p:transition/>
-    </mc:Fallback>
-  </mc:AlternateContent>
-  <p:timing>
-    <p:tnLst>
-      <p:par>
-        <p:cTn id="1" dur="indefinite" restart="never" nodeType="tmRoot"/>
-      </p:par>
-    </p:tnLst>
-  </p:timing>
-</p:sld>
-</file>
-
-<file path=ppt/slides/slide45.xml><?xml version="1.0" encoding="utf-8"?>
-<p:sld xmlns:a="http://schemas.openxmlformats.org/drawingml/2006/main" xmlns:r="http://schemas.openxmlformats.org/officeDocument/2006/relationships" xmlns:p="http://schemas.openxmlformats.org/presentationml/2006/main">
-  <p:cSld>
-    <p:spTree>
-      <p:nvGrpSpPr>
-        <p:cNvPr id="1" name=""/>
-        <p:cNvGrpSpPr/>
-        <p:nvPr/>
-      </p:nvGrpSpPr>
-      <p:grpSpPr>
-        <a:xfrm>
-          <a:off x="0" y="0"/>
-          <a:ext cx="0" cy="0"/>
-          <a:chOff x="0" y="0"/>
-          <a:chExt cx="0" cy="0"/>
-        </a:xfrm>
-      </p:grpSpPr>
-      <p:sp>
-        <p:nvSpPr>
-          <p:cNvPr id="15" name="Rectangle 2"/>
-          <p:cNvSpPr txBox="1">
-            <a:spLocks noChangeArrowheads="1"/>
-          </p:cNvSpPr>
-          <p:nvPr/>
-        </p:nvSpPr>
-        <p:spPr>
-          <a:xfrm>
-            <a:off x="1828800" y="217714"/>
-            <a:ext cx="7086600" cy="914400"/>
-          </a:xfrm>
-          <a:prstGeom prst="rect">
-            <a:avLst/>
-          </a:prstGeom>
-        </p:spPr>
-        <p:txBody>
-          <a:bodyPr anchor="ctr" anchorCtr="0">
-            <a:noAutofit/>
-          </a:bodyPr>
-          <a:lstStyle>
-            <a:lvl1pPr algn="r" rtl="0" eaLnBrk="0" fontAlgn="base" hangingPunct="0">
-              <a:lnSpc>
-                <a:spcPts val="4000"/>
-              </a:lnSpc>
-              <a:spcBef>
-                <a:spcPct val="0"/>
-              </a:spcBef>
-              <a:spcAft>
-                <a:spcPct val="0"/>
-              </a:spcAft>
-              <a:defRPr lang="en-US" sz="4000" b="1" kern="1200" baseline="0" dirty="0">
-                <a:ln w="500">
-                  <a:noFill/>
-                </a:ln>
-                <a:solidFill>
-                  <a:schemeClr val="tx2"/>
-                </a:solidFill>
-                <a:effectLst>
-                  <a:outerShdw blurRad="38100" dist="38100" dir="2700000" algn="tl">
-                    <a:srgbClr val="000000">
-                      <a:alpha val="43137"/>
-                    </a:srgbClr>
-                  </a:outerShdw>
-                  <a:reflection blurRad="12700" stA="20000" endPos="50000" dist="12700" dir="5400000" sy="-100000" algn="bl" rotWithShape="0"/>
-                </a:effectLst>
-                <a:latin typeface="+mj-lt"/>
-                <a:ea typeface="+mj-ea"/>
-                <a:cs typeface="+mj-cs"/>
-              </a:defRPr>
-            </a:lvl1pPr>
-            <a:lvl2pPr algn="r" rtl="0" eaLnBrk="1" fontAlgn="base" hangingPunct="1">
-              <a:spcBef>
-                <a:spcPct val="0"/>
-              </a:spcBef>
-              <a:spcAft>
-                <a:spcPct val="0"/>
-              </a:spcAft>
-              <a:defRPr sz="3000" b="1">
-                <a:solidFill>
-                  <a:schemeClr val="tx2"/>
-                </a:solidFill>
-                <a:latin typeface="Corbel" pitchFamily="34" charset="0"/>
-              </a:defRPr>
-            </a:lvl2pPr>
-            <a:lvl3pPr algn="r" rtl="0" eaLnBrk="1" fontAlgn="base" hangingPunct="1">
-              <a:spcBef>
-                <a:spcPct val="0"/>
-              </a:spcBef>
-              <a:spcAft>
-                <a:spcPct val="0"/>
-              </a:spcAft>
-              <a:defRPr sz="3000" b="1">
-                <a:solidFill>
-                  <a:schemeClr val="tx2"/>
-                </a:solidFill>
-                <a:latin typeface="Corbel" pitchFamily="34" charset="0"/>
-              </a:defRPr>
-            </a:lvl3pPr>
-            <a:lvl4pPr algn="r" rtl="0" eaLnBrk="1" fontAlgn="base" hangingPunct="1">
-              <a:spcBef>
-                <a:spcPct val="0"/>
-              </a:spcBef>
-              <a:spcAft>
-                <a:spcPct val="0"/>
-              </a:spcAft>
-              <a:defRPr sz="3000" b="1">
-                <a:solidFill>
-                  <a:schemeClr val="tx2"/>
-                </a:solidFill>
-                <a:latin typeface="Corbel" pitchFamily="34" charset="0"/>
-              </a:defRPr>
-            </a:lvl4pPr>
-            <a:lvl5pPr algn="r" rtl="0" eaLnBrk="1" fontAlgn="base" hangingPunct="1">
-              <a:spcBef>
-                <a:spcPct val="0"/>
-              </a:spcBef>
-              <a:spcAft>
-                <a:spcPct val="0"/>
-              </a:spcAft>
-              <a:defRPr sz="3000" b="1">
-                <a:solidFill>
-                  <a:schemeClr val="tx2"/>
-                </a:solidFill>
-                <a:latin typeface="Corbel" pitchFamily="34" charset="0"/>
-              </a:defRPr>
-            </a:lvl5pPr>
-            <a:lvl6pPr marL="457200" algn="r" rtl="0" eaLnBrk="1" fontAlgn="base" hangingPunct="1">
-              <a:spcBef>
-                <a:spcPct val="0"/>
-              </a:spcBef>
-              <a:spcAft>
-                <a:spcPct val="0"/>
-              </a:spcAft>
-              <a:defRPr sz="3000" b="1">
-                <a:solidFill>
-                  <a:schemeClr val="tx2"/>
-                </a:solidFill>
-                <a:latin typeface="Corbel" pitchFamily="34" charset="0"/>
-              </a:defRPr>
-            </a:lvl6pPr>
-            <a:lvl7pPr marL="914400" algn="r" rtl="0" eaLnBrk="1" fontAlgn="base" hangingPunct="1">
-              <a:spcBef>
-                <a:spcPct val="0"/>
-              </a:spcBef>
-              <a:spcAft>
-                <a:spcPct val="0"/>
-              </a:spcAft>
-              <a:defRPr sz="3000" b="1">
-                <a:solidFill>
-                  <a:schemeClr val="tx2"/>
-                </a:solidFill>
-                <a:latin typeface="Corbel" pitchFamily="34" charset="0"/>
-              </a:defRPr>
-            </a:lvl7pPr>
-            <a:lvl8pPr marL="1371600" algn="r" rtl="0" eaLnBrk="1" fontAlgn="base" hangingPunct="1">
-              <a:spcBef>
-                <a:spcPct val="0"/>
-              </a:spcBef>
-              <a:spcAft>
-                <a:spcPct val="0"/>
-              </a:spcAft>
-              <a:defRPr sz="3000" b="1">
-                <a:solidFill>
-                  <a:schemeClr val="tx2"/>
-                </a:solidFill>
-                <a:latin typeface="Corbel" pitchFamily="34" charset="0"/>
-              </a:defRPr>
-            </a:lvl8pPr>
-            <a:lvl9pPr marL="1828800" algn="r" rtl="0" eaLnBrk="1" fontAlgn="base" hangingPunct="1">
-              <a:spcBef>
-                <a:spcPct val="0"/>
-              </a:spcBef>
-              <a:spcAft>
-                <a:spcPct val="0"/>
-              </a:spcAft>
-              <a:defRPr sz="3000" b="1">
-                <a:solidFill>
-                  <a:schemeClr val="tx2"/>
-                </a:solidFill>
-                <a:latin typeface="Corbel" pitchFamily="34" charset="0"/>
-              </a:defRPr>
-            </a:lvl9pPr>
-          </a:lstStyle>
-          <a:p>
-            <a:r>
-              <a:rPr lang="en-US" dirty="0" smtClean="0"/>
-              <a:t>JMeter</a:t>
-            </a:r>
-            <a:endParaRPr lang="en-US" dirty="0"/>
-          </a:p>
-        </p:txBody>
-      </p:sp>
-      <p:sp>
-        <p:nvSpPr>
-          <p:cNvPr id="19" name="Content Placeholder 2"/>
-          <p:cNvSpPr>
-            <a:spLocks noGrp="1"/>
-          </p:cNvSpPr>
-          <p:nvPr>
-            <p:ph idx="1"/>
-          </p:nvPr>
-        </p:nvSpPr>
-        <p:spPr>
-          <a:xfrm>
-            <a:off x="228600" y="981989"/>
-            <a:ext cx="8686800" cy="566592"/>
-          </a:xfrm>
-        </p:spPr>
-        <p:txBody>
-          <a:bodyPr/>
-          <a:lstStyle/>
-          <a:p>
-            <a:r>
-              <a:rPr lang="en-US" dirty="0">
-                <a:cs typeface="Arial" pitchFamily="34" charset="0"/>
-              </a:rPr>
               <a:t>Hints for Reducing Resource requirements</a:t>
             </a:r>
           </a:p>
@@ -19779,320 +19435,7 @@
 </p:sld>
 </file>
 
-<file path=ppt/slides/slide46.xml><?xml version="1.0" encoding="utf-8"?>
-<p:sld xmlns:a="http://schemas.openxmlformats.org/drawingml/2006/main" xmlns:r="http://schemas.openxmlformats.org/officeDocument/2006/relationships" xmlns:p="http://schemas.openxmlformats.org/presentationml/2006/main">
-  <p:cSld>
-    <p:spTree>
-      <p:nvGrpSpPr>
-        <p:cNvPr id="1" name=""/>
-        <p:cNvGrpSpPr/>
-        <p:nvPr/>
-      </p:nvGrpSpPr>
-      <p:grpSpPr>
-        <a:xfrm>
-          <a:off x="0" y="0"/>
-          <a:ext cx="0" cy="0"/>
-          <a:chOff x="0" y="0"/>
-          <a:chExt cx="0" cy="0"/>
-        </a:xfrm>
-      </p:grpSpPr>
-      <p:sp>
-        <p:nvSpPr>
-          <p:cNvPr id="15" name="Rectangle 2"/>
-          <p:cNvSpPr txBox="1">
-            <a:spLocks noChangeArrowheads="1"/>
-          </p:cNvSpPr>
-          <p:nvPr/>
-        </p:nvSpPr>
-        <p:spPr>
-          <a:xfrm>
-            <a:off x="1828800" y="217714"/>
-            <a:ext cx="7086600" cy="914400"/>
-          </a:xfrm>
-          <a:prstGeom prst="rect">
-            <a:avLst/>
-          </a:prstGeom>
-        </p:spPr>
-        <p:txBody>
-          <a:bodyPr anchor="ctr" anchorCtr="0">
-            <a:noAutofit/>
-          </a:bodyPr>
-          <a:lstStyle>
-            <a:lvl1pPr algn="r" rtl="0" eaLnBrk="0" fontAlgn="base" hangingPunct="0">
-              <a:lnSpc>
-                <a:spcPts val="4000"/>
-              </a:lnSpc>
-              <a:spcBef>
-                <a:spcPct val="0"/>
-              </a:spcBef>
-              <a:spcAft>
-                <a:spcPct val="0"/>
-              </a:spcAft>
-              <a:defRPr lang="en-US" sz="4000" b="1" kern="1200" baseline="0" dirty="0">
-                <a:ln w="500">
-                  <a:noFill/>
-                </a:ln>
-                <a:solidFill>
-                  <a:schemeClr val="tx2"/>
-                </a:solidFill>
-                <a:effectLst>
-                  <a:outerShdw blurRad="38100" dist="38100" dir="2700000" algn="tl">
-                    <a:srgbClr val="000000">
-                      <a:alpha val="43137"/>
-                    </a:srgbClr>
-                  </a:outerShdw>
-                  <a:reflection blurRad="12700" stA="20000" endPos="50000" dist="12700" dir="5400000" sy="-100000" algn="bl" rotWithShape="0"/>
-                </a:effectLst>
-                <a:latin typeface="+mj-lt"/>
-                <a:ea typeface="+mj-ea"/>
-                <a:cs typeface="+mj-cs"/>
-              </a:defRPr>
-            </a:lvl1pPr>
-            <a:lvl2pPr algn="r" rtl="0" eaLnBrk="1" fontAlgn="base" hangingPunct="1">
-              <a:spcBef>
-                <a:spcPct val="0"/>
-              </a:spcBef>
-              <a:spcAft>
-                <a:spcPct val="0"/>
-              </a:spcAft>
-              <a:defRPr sz="3000" b="1">
-                <a:solidFill>
-                  <a:schemeClr val="tx2"/>
-                </a:solidFill>
-                <a:latin typeface="Corbel" pitchFamily="34" charset="0"/>
-              </a:defRPr>
-            </a:lvl2pPr>
-            <a:lvl3pPr algn="r" rtl="0" eaLnBrk="1" fontAlgn="base" hangingPunct="1">
-              <a:spcBef>
-                <a:spcPct val="0"/>
-              </a:spcBef>
-              <a:spcAft>
-                <a:spcPct val="0"/>
-              </a:spcAft>
-              <a:defRPr sz="3000" b="1">
-                <a:solidFill>
-                  <a:schemeClr val="tx2"/>
-                </a:solidFill>
-                <a:latin typeface="Corbel" pitchFamily="34" charset="0"/>
-              </a:defRPr>
-            </a:lvl3pPr>
-            <a:lvl4pPr algn="r" rtl="0" eaLnBrk="1" fontAlgn="base" hangingPunct="1">
-              <a:spcBef>
-                <a:spcPct val="0"/>
-              </a:spcBef>
-              <a:spcAft>
-                <a:spcPct val="0"/>
-              </a:spcAft>
-              <a:defRPr sz="3000" b="1">
-                <a:solidFill>
-                  <a:schemeClr val="tx2"/>
-                </a:solidFill>
-                <a:latin typeface="Corbel" pitchFamily="34" charset="0"/>
-              </a:defRPr>
-            </a:lvl4pPr>
-            <a:lvl5pPr algn="r" rtl="0" eaLnBrk="1" fontAlgn="base" hangingPunct="1">
-              <a:spcBef>
-                <a:spcPct val="0"/>
-              </a:spcBef>
-              <a:spcAft>
-                <a:spcPct val="0"/>
-              </a:spcAft>
-              <a:defRPr sz="3000" b="1">
-                <a:solidFill>
-                  <a:schemeClr val="tx2"/>
-                </a:solidFill>
-                <a:latin typeface="Corbel" pitchFamily="34" charset="0"/>
-              </a:defRPr>
-            </a:lvl5pPr>
-            <a:lvl6pPr marL="457200" algn="r" rtl="0" eaLnBrk="1" fontAlgn="base" hangingPunct="1">
-              <a:spcBef>
-                <a:spcPct val="0"/>
-              </a:spcBef>
-              <a:spcAft>
-                <a:spcPct val="0"/>
-              </a:spcAft>
-              <a:defRPr sz="3000" b="1">
-                <a:solidFill>
-                  <a:schemeClr val="tx2"/>
-                </a:solidFill>
-                <a:latin typeface="Corbel" pitchFamily="34" charset="0"/>
-              </a:defRPr>
-            </a:lvl6pPr>
-            <a:lvl7pPr marL="914400" algn="r" rtl="0" eaLnBrk="1" fontAlgn="base" hangingPunct="1">
-              <a:spcBef>
-                <a:spcPct val="0"/>
-              </a:spcBef>
-              <a:spcAft>
-                <a:spcPct val="0"/>
-              </a:spcAft>
-              <a:defRPr sz="3000" b="1">
-                <a:solidFill>
-                  <a:schemeClr val="tx2"/>
-                </a:solidFill>
-                <a:latin typeface="Corbel" pitchFamily="34" charset="0"/>
-              </a:defRPr>
-            </a:lvl7pPr>
-            <a:lvl8pPr marL="1371600" algn="r" rtl="0" eaLnBrk="1" fontAlgn="base" hangingPunct="1">
-              <a:spcBef>
-                <a:spcPct val="0"/>
-              </a:spcBef>
-              <a:spcAft>
-                <a:spcPct val="0"/>
-              </a:spcAft>
-              <a:defRPr sz="3000" b="1">
-                <a:solidFill>
-                  <a:schemeClr val="tx2"/>
-                </a:solidFill>
-                <a:latin typeface="Corbel" pitchFamily="34" charset="0"/>
-              </a:defRPr>
-            </a:lvl8pPr>
-            <a:lvl9pPr marL="1828800" algn="r" rtl="0" eaLnBrk="1" fontAlgn="base" hangingPunct="1">
-              <a:spcBef>
-                <a:spcPct val="0"/>
-              </a:spcBef>
-              <a:spcAft>
-                <a:spcPct val="0"/>
-              </a:spcAft>
-              <a:defRPr sz="3000" b="1">
-                <a:solidFill>
-                  <a:schemeClr val="tx2"/>
-                </a:solidFill>
-                <a:latin typeface="Corbel" pitchFamily="34" charset="0"/>
-              </a:defRPr>
-            </a:lvl9pPr>
-          </a:lstStyle>
-          <a:p>
-            <a:r>
-              <a:rPr lang="en-US" dirty="0" smtClean="0"/>
-              <a:t>JMeter</a:t>
-            </a:r>
-            <a:endParaRPr lang="en-US" dirty="0"/>
-          </a:p>
-        </p:txBody>
-      </p:sp>
-      <p:sp>
-        <p:nvSpPr>
-          <p:cNvPr id="19" name="Content Placeholder 2"/>
-          <p:cNvSpPr>
-            <a:spLocks noGrp="1"/>
-          </p:cNvSpPr>
-          <p:nvPr>
-            <p:ph idx="1"/>
-          </p:nvPr>
-        </p:nvSpPr>
-        <p:spPr>
-          <a:xfrm>
-            <a:off x="228600" y="981989"/>
-            <a:ext cx="8686800" cy="566592"/>
-          </a:xfrm>
-        </p:spPr>
-        <p:txBody>
-          <a:bodyPr/>
-          <a:lstStyle/>
-          <a:p>
-            <a:r>
-              <a:rPr lang="en-US" dirty="0" smtClean="0">
-                <a:cs typeface="Arial" pitchFamily="34" charset="0"/>
-              </a:rPr>
-              <a:t>Additional Resources</a:t>
-            </a:r>
-          </a:p>
-          <a:p>
-            <a:pPr lvl="1"/>
-            <a:r>
-              <a:rPr lang="en-US" dirty="0">
-                <a:cs typeface="Arial" pitchFamily="34" charset="0"/>
-                <a:hlinkClick r:id="rId2"/>
-              </a:rPr>
-              <a:t>Official Documentation</a:t>
-            </a:r>
-          </a:p>
-          <a:p>
-            <a:pPr lvl="1"/>
-            <a:r>
-              <a:rPr lang="en-US" dirty="0" smtClean="0">
-                <a:cs typeface="Arial" pitchFamily="34" charset="0"/>
-                <a:hlinkClick r:id="rId2"/>
-              </a:rPr>
-              <a:t>The </a:t>
-            </a:r>
-            <a:r>
-              <a:rPr lang="en-US" dirty="0">
-                <a:cs typeface="Arial" pitchFamily="34" charset="0"/>
-                <a:hlinkClick r:id="rId2"/>
-              </a:rPr>
-              <a:t>Ultimate </a:t>
-            </a:r>
-            <a:r>
-              <a:rPr lang="en-US" dirty="0" smtClean="0">
-                <a:cs typeface="Arial" pitchFamily="34" charset="0"/>
-                <a:hlinkClick r:id="rId2"/>
-              </a:rPr>
-              <a:t>JMeter </a:t>
-            </a:r>
-            <a:r>
-              <a:rPr lang="en-US" dirty="0" smtClean="0">
-                <a:cs typeface="Arial" pitchFamily="34" charset="0"/>
-                <a:hlinkClick r:id="rId2"/>
-              </a:rPr>
-              <a:t>Tutorial</a:t>
-            </a:r>
-            <a:endParaRPr lang="en-US" dirty="0">
-              <a:cs typeface="Arial" pitchFamily="34" charset="0"/>
-              <a:hlinkClick r:id="rId2"/>
-            </a:endParaRPr>
-          </a:p>
-          <a:p>
-            <a:pPr lvl="1"/>
-            <a:r>
-              <a:rPr lang="en-US" dirty="0">
-                <a:cs typeface="Arial" pitchFamily="34" charset="0"/>
-                <a:hlinkClick r:id="rId2"/>
-              </a:rPr>
-              <a:t>Tutorial for Distributed Load </a:t>
-            </a:r>
-            <a:r>
-              <a:rPr lang="en-US" dirty="0" smtClean="0">
-                <a:cs typeface="Arial" pitchFamily="34" charset="0"/>
-                <a:hlinkClick r:id="rId2"/>
-              </a:rPr>
-              <a:t>Testing</a:t>
-            </a:r>
-            <a:endParaRPr lang="en-US" sz="2800" dirty="0">
-              <a:cs typeface="Arial" pitchFamily="34" charset="0"/>
-            </a:endParaRPr>
-          </a:p>
-        </p:txBody>
-      </p:sp>
-    </p:spTree>
-    <p:extLst>
-      <p:ext uri="{BB962C8B-B14F-4D97-AF65-F5344CB8AC3E}">
-        <p14:creationId xmlns:p14="http://schemas.microsoft.com/office/powerpoint/2010/main" val="309320283"/>
-      </p:ext>
-    </p:extLst>
-  </p:cSld>
-  <p:clrMapOvr>
-    <a:masterClrMapping/>
-  </p:clrMapOvr>
-  <mc:AlternateContent xmlns:mc="http://schemas.openxmlformats.org/markup-compatibility/2006" xmlns:p14="http://schemas.microsoft.com/office/powerpoint/2010/main">
-    <mc:Choice Requires="p14">
-      <p:transition p14:dur="0"/>
-    </mc:Choice>
-    <mc:Fallback xmlns="">
-      <p:transition/>
-    </mc:Fallback>
-  </mc:AlternateContent>
-  <p:timing>
-    <p:tnLst>
-      <p:par>
-        <p:cTn id="1" dur="indefinite" restart="never" nodeType="tmRoot"/>
-      </p:par>
-    </p:tnLst>
-  </p:timing>
-</p:sld>
-</file>
-
-<file path=ppt/slides/slide47.xml><?xml version="1.0" encoding="utf-8"?>
+<file path=ppt/slides/slide45.xml><?xml version="1.0" encoding="utf-8"?>
 <p:sld xmlns:a="http://schemas.openxmlformats.org/drawingml/2006/main" xmlns:r="http://schemas.openxmlformats.org/officeDocument/2006/relationships" xmlns:p="http://schemas.openxmlformats.org/presentationml/2006/main">
   <p:cSld>
     <p:spTree>
@@ -20203,7 +19546,7 @@
 </p:sld>
 </file>
 
-<file path=ppt/slides/slide48.xml><?xml version="1.0" encoding="utf-8"?>
+<file path=ppt/slides/slide46.xml><?xml version="1.0" encoding="utf-8"?>
 <p:sld xmlns:a="http://schemas.openxmlformats.org/drawingml/2006/main" xmlns:r="http://schemas.openxmlformats.org/officeDocument/2006/relationships" xmlns:p="http://schemas.openxmlformats.org/presentationml/2006/main">
   <p:cSld>
     <p:spTree>
@@ -20987,7 +20330,7 @@
 </p:sld>
 </file>
 
-<file path=ppt/slides/slide49.xml><?xml version="1.0" encoding="utf-8"?>
+<file path=ppt/slides/slide47.xml><?xml version="1.0" encoding="utf-8"?>
 <p:sld xmlns:a="http://schemas.openxmlformats.org/drawingml/2006/main" xmlns:r="http://schemas.openxmlformats.org/officeDocument/2006/relationships" xmlns:p="http://schemas.openxmlformats.org/presentationml/2006/main">
   <p:cSld>
     <p:spTree>
@@ -22586,8 +21929,21 @@
           <a:p>
             <a:r>
               <a:rPr lang="en-US" dirty="0"/>
-              <a:t>Performance/Load/Stress testing require a lot more knowledge compared to functional testing</a:t>
-            </a:r>
+              <a:t>Performance/Load/Stress testing require </a:t>
+            </a:r>
+            <a:r>
+              <a:rPr lang="en-US" dirty="0" smtClean="0"/>
+              <a:t>some additional </a:t>
+            </a:r>
+            <a:r>
+              <a:rPr lang="en-US" dirty="0"/>
+              <a:t>knowledge </a:t>
+            </a:r>
+            <a:r>
+              <a:rPr lang="en-US" dirty="0" smtClean="0"/>
+              <a:t>on:</a:t>
+            </a:r>
+            <a:endParaRPr lang="en-US" dirty="0"/>
           </a:p>
           <a:p>
             <a:pPr lvl="1"/>
